--- a/iOS行動程式基礎開發上架20堂課/第21堂課使用地圖/swift-自動記憶體管理.pptx
+++ b/iOS行動程式基礎開發上架20堂課/第21堂課使用地圖/swift-自動記憶體管理.pptx
@@ -33086,7 +33086,7 @@
         <p:spPr>
           <a:xfrm>
             <a:off x="615302" y="1105948"/>
-            <a:ext cx="3864432" cy="1869441"/>
+            <a:ext cx="3215664" cy="2452765"/>
           </a:xfrm>
           <a:prstGeom prst="rect">
             <a:avLst/>
@@ -33106,9 +33106,9 @@
           </a:bodyPr>
           <a:lstStyle/>
           <a:p>
-            <a:pPr marL="457200" indent="-317500" defTabSz="457200">
+            <a:pPr marL="527755" indent="-388055" defTabSz="457200">
               <a:lnSpc>
-                <a:spcPts val="2300"/>
+                <a:spcPts val="1700"/>
               </a:lnSpc>
               <a:spcBef>
                 <a:spcPts val="0"/>
@@ -33119,14 +33119,14 @@
               <a:buSzPct val="100000"/>
               <a:buFont typeface="Menlo"/>
               <a:buChar char="•"/>
-              <a:defRPr b="0" sz="900">
-                <a:solidFill>
-                  <a:srgbClr val="AA0D91"/>
-                </a:solidFill>
-                <a:latin typeface="Menlo"/>
-                <a:ea typeface="Menlo"/>
-                <a:cs typeface="Menlo"/>
-                <a:sym typeface="Menlo"/>
+              <a:defRPr b="0" sz="1100">
+                <a:solidFill>
+                  <a:srgbClr val="5C2699"/>
+                </a:solidFill>
+                <a:latin typeface="Arial"/>
+                <a:ea typeface="Arial"/>
+                <a:cs typeface="Arial"/>
+                <a:sym typeface="Arial"/>
               </a:defRPr>
             </a:pPr>
             <a:r>
@@ -33163,9 +33163,9 @@
             </a:endParaRPr>
           </a:p>
           <a:p>
-            <a:pPr marL="457200" indent="-317500" defTabSz="457200">
+            <a:pPr marL="527755" indent="-388055" defTabSz="457200">
               <a:lnSpc>
-                <a:spcPts val="2300"/>
+                <a:spcPts val="1700"/>
               </a:lnSpc>
               <a:spcBef>
                 <a:spcPts val="0"/>
@@ -33176,14 +33176,14 @@
               <a:buSzPct val="100000"/>
               <a:buFont typeface="Menlo"/>
               <a:buChar char="•"/>
-              <a:defRPr b="0" sz="900">
-                <a:solidFill>
-                  <a:srgbClr val="333333"/>
-                </a:solidFill>
-                <a:latin typeface="Menlo"/>
-                <a:ea typeface="Menlo"/>
-                <a:cs typeface="Menlo"/>
-                <a:sym typeface="Menlo"/>
+              <a:defRPr b="0" sz="1100">
+                <a:solidFill>
+                  <a:srgbClr val="5C2699"/>
+                </a:solidFill>
+                <a:latin typeface="Arial"/>
+                <a:ea typeface="Arial"/>
+                <a:cs typeface="Arial"/>
+                <a:sym typeface="Arial"/>
               </a:defRPr>
             </a:pPr>
             <a:r>
@@ -33212,18 +33212,13 @@
               <a:t>: </a:t>
             </a:r>
             <a:r>
-              <a:rPr>
-                <a:solidFill>
-                  <a:srgbClr val="5C2699"/>
-                </a:solidFill>
-              </a:rPr>
               <a:t>String</a:t>
             </a:r>
           </a:p>
           <a:p>
-            <a:pPr marL="457200" indent="-317500" defTabSz="457200">
+            <a:pPr marL="527755" indent="-388055" defTabSz="457200">
               <a:lnSpc>
-                <a:spcPts val="2300"/>
+                <a:spcPts val="1700"/>
               </a:lnSpc>
               <a:spcBef>
                 <a:spcPts val="0"/>
@@ -33234,14 +33229,14 @@
               <a:buSzPct val="100000"/>
               <a:buFont typeface="Menlo"/>
               <a:buChar char="•"/>
-              <a:defRPr b="0" sz="900">
-                <a:solidFill>
-                  <a:srgbClr val="333333"/>
-                </a:solidFill>
-                <a:latin typeface="Menlo"/>
-                <a:ea typeface="Menlo"/>
-                <a:cs typeface="Menlo"/>
-                <a:sym typeface="Menlo"/>
+              <a:defRPr b="0" sz="1100">
+                <a:solidFill>
+                  <a:srgbClr val="5C2699"/>
+                </a:solidFill>
+                <a:latin typeface="Arial"/>
+                <a:ea typeface="Arial"/>
+                <a:cs typeface="Arial"/>
+                <a:sym typeface="Arial"/>
               </a:defRPr>
             </a:pPr>
             <a:r>
@@ -33270,11 +33265,6 @@
               <a:t>: </a:t>
             </a:r>
             <a:r>
-              <a:rPr>
-                <a:solidFill>
-                  <a:srgbClr val="5C2699"/>
-                </a:solidFill>
-              </a:rPr>
               <a:t>String</a:t>
             </a:r>
             <a:r>
@@ -33282,9 +33272,9 @@
             </a:r>
           </a:p>
           <a:p>
-            <a:pPr marL="457200" indent="-317500" defTabSz="457200">
+            <a:pPr marL="527755" indent="-388055" defTabSz="457200">
               <a:lnSpc>
-                <a:spcPts val="2300"/>
+                <a:spcPts val="1700"/>
               </a:lnSpc>
               <a:spcBef>
                 <a:spcPts val="0"/>
@@ -33295,14 +33285,14 @@
               <a:buSzPct val="100000"/>
               <a:buFont typeface="Menlo"/>
               <a:buChar char="•"/>
-              <a:defRPr b="0" sz="900">
-                <a:solidFill>
-                  <a:srgbClr val="333333"/>
-                </a:solidFill>
-                <a:latin typeface="Menlo"/>
-                <a:ea typeface="Menlo"/>
-                <a:cs typeface="Menlo"/>
-                <a:sym typeface="Menlo"/>
+              <a:defRPr b="0" sz="1100">
+                <a:solidFill>
+                  <a:srgbClr val="5C2699"/>
+                </a:solidFill>
+                <a:latin typeface="Arial"/>
+                <a:ea typeface="Arial"/>
+                <a:cs typeface="Arial"/>
+                <a:sym typeface="Arial"/>
               </a:defRPr>
             </a:pPr>
             <a:r>
@@ -33340,9 +33330,9 @@
             </a:r>
           </a:p>
           <a:p>
-            <a:pPr marL="457200" indent="-317500" defTabSz="457200">
+            <a:pPr marL="527755" indent="-388055" defTabSz="457200">
               <a:lnSpc>
-                <a:spcPts val="2300"/>
+                <a:spcPts val="1700"/>
               </a:lnSpc>
               <a:spcBef>
                 <a:spcPts val="0"/>
@@ -33353,14 +33343,14 @@
               <a:buSzPct val="100000"/>
               <a:buFont typeface="Menlo"/>
               <a:buChar char="•"/>
-              <a:defRPr b="0" sz="900">
-                <a:solidFill>
-                  <a:srgbClr val="C41A16"/>
-                </a:solidFill>
-                <a:latin typeface="Menlo"/>
-                <a:ea typeface="Menlo"/>
-                <a:cs typeface="Menlo"/>
-                <a:sym typeface="Menlo"/>
+              <a:defRPr b="0" sz="1100">
+                <a:solidFill>
+                  <a:srgbClr val="5C2699"/>
+                </a:solidFill>
+                <a:latin typeface="Arial"/>
+                <a:ea typeface="Arial"/>
+                <a:cs typeface="Arial"/>
+                <a:sym typeface="Arial"/>
               </a:defRPr>
             </a:pPr>
             <a:r>
@@ -33432,9 +33422,9 @@
             </a:endParaRPr>
           </a:p>
           <a:p>
-            <a:pPr marL="457200" indent="-317500" defTabSz="457200">
+            <a:pPr marL="527755" indent="-388055" defTabSz="457200">
               <a:lnSpc>
-                <a:spcPts val="2300"/>
+                <a:spcPts val="1700"/>
               </a:lnSpc>
               <a:spcBef>
                 <a:spcPts val="0"/>
@@ -33445,14 +33435,14 @@
               <a:buSzPct val="100000"/>
               <a:buFont typeface="Menlo"/>
               <a:buChar char="•"/>
-              <a:defRPr b="0" sz="900">
-                <a:solidFill>
-                  <a:srgbClr val="333333"/>
-                </a:solidFill>
-                <a:latin typeface="Menlo"/>
-                <a:ea typeface="Menlo"/>
-                <a:cs typeface="Menlo"/>
-                <a:sym typeface="Menlo"/>
+              <a:defRPr b="0" sz="1100">
+                <a:solidFill>
+                  <a:srgbClr val="5C2699"/>
+                </a:solidFill>
+                <a:latin typeface="Arial"/>
+                <a:ea typeface="Arial"/>
+                <a:cs typeface="Arial"/>
+                <a:sym typeface="Arial"/>
               </a:defRPr>
             </a:pPr>
             <a:r>
@@ -33460,9 +33450,9 @@
             </a:r>
           </a:p>
           <a:p>
-            <a:pPr marL="457200" indent="-317500" defTabSz="457200">
+            <a:pPr marL="527755" indent="-388055" defTabSz="457200">
               <a:lnSpc>
-                <a:spcPts val="2300"/>
+                <a:spcPts val="1700"/>
               </a:lnSpc>
               <a:spcBef>
                 <a:spcPts val="0"/>
@@ -33473,14 +33463,14 @@
               <a:buSzPct val="100000"/>
               <a:buFont typeface="Menlo"/>
               <a:buChar char="•"/>
-              <a:defRPr b="0" sz="900">
-                <a:solidFill>
-                  <a:srgbClr val="333333"/>
-                </a:solidFill>
-                <a:latin typeface="Menlo"/>
-                <a:ea typeface="Menlo"/>
-                <a:cs typeface="Menlo"/>
-                <a:sym typeface="Menlo"/>
+              <a:defRPr b="0" sz="1100">
+                <a:solidFill>
+                  <a:srgbClr val="5C2699"/>
+                </a:solidFill>
+                <a:latin typeface="Arial"/>
+                <a:ea typeface="Arial"/>
+                <a:cs typeface="Arial"/>
+                <a:sym typeface="Arial"/>
               </a:defRPr>
             </a:pPr>
             <a:r>
@@ -33499,9 +33489,9 @@
             </a:r>
           </a:p>
           <a:p>
-            <a:pPr marL="457200" indent="-317500" defTabSz="457200">
+            <a:pPr marL="527755" indent="-388055" defTabSz="457200">
               <a:lnSpc>
-                <a:spcPts val="2300"/>
+                <a:spcPts val="1700"/>
               </a:lnSpc>
               <a:spcBef>
                 <a:spcPts val="0"/>
@@ -33512,14 +33502,14 @@
               <a:buSzPct val="100000"/>
               <a:buFont typeface="Menlo"/>
               <a:buChar char="•"/>
-              <a:defRPr b="0" sz="900">
-                <a:solidFill>
-                  <a:srgbClr val="C41A16"/>
-                </a:solidFill>
-                <a:latin typeface="Menlo"/>
-                <a:ea typeface="Menlo"/>
-                <a:cs typeface="Menlo"/>
-                <a:sym typeface="Menlo"/>
+              <a:defRPr b="0" sz="1100">
+                <a:solidFill>
+                  <a:srgbClr val="5C2699"/>
+                </a:solidFill>
+                <a:latin typeface="Arial"/>
+                <a:ea typeface="Arial"/>
+                <a:cs typeface="Arial"/>
+                <a:sym typeface="Arial"/>
               </a:defRPr>
             </a:pPr>
             <a:r>
@@ -33591,9 +33581,9 @@
             </a:endParaRPr>
           </a:p>
           <a:p>
-            <a:pPr marL="457200" indent="-317500" defTabSz="457200">
+            <a:pPr marL="527755" indent="-388055" defTabSz="457200">
               <a:lnSpc>
-                <a:spcPts val="2300"/>
+                <a:spcPts val="1700"/>
               </a:lnSpc>
               <a:spcBef>
                 <a:spcPts val="0"/>
@@ -33604,14 +33594,14 @@
               <a:buSzPct val="100000"/>
               <a:buFont typeface="Menlo"/>
               <a:buChar char="•"/>
-              <a:defRPr b="0" sz="900">
-                <a:solidFill>
-                  <a:srgbClr val="333333"/>
-                </a:solidFill>
-                <a:latin typeface="Menlo"/>
-                <a:ea typeface="Menlo"/>
-                <a:cs typeface="Menlo"/>
-                <a:sym typeface="Menlo"/>
+              <a:defRPr b="0" sz="1100">
+                <a:solidFill>
+                  <a:srgbClr val="5C2699"/>
+                </a:solidFill>
+                <a:latin typeface="Arial"/>
+                <a:ea typeface="Arial"/>
+                <a:cs typeface="Arial"/>
+                <a:sym typeface="Arial"/>
               </a:defRPr>
             </a:pPr>
             <a:r>
@@ -33619,9 +33609,9 @@
             </a:r>
           </a:p>
           <a:p>
-            <a:pPr marL="457200" indent="-317500" defTabSz="457200">
+            <a:pPr marL="527755" indent="-388055" defTabSz="457200">
               <a:lnSpc>
-                <a:spcPts val="2300"/>
+                <a:spcPts val="1700"/>
               </a:lnSpc>
               <a:spcBef>
                 <a:spcPts val="0"/>
@@ -33632,14 +33622,14 @@
               <a:buSzPct val="100000"/>
               <a:buFont typeface="Menlo"/>
               <a:buChar char="•"/>
-              <a:defRPr b="0" sz="900">
-                <a:solidFill>
-                  <a:srgbClr val="333333"/>
-                </a:solidFill>
-                <a:latin typeface="Menlo"/>
-                <a:ea typeface="Menlo"/>
-                <a:cs typeface="Menlo"/>
-                <a:sym typeface="Menlo"/>
+              <a:defRPr b="0" sz="1100">
+                <a:solidFill>
+                  <a:srgbClr val="5C2699"/>
+                </a:solidFill>
+                <a:latin typeface="Arial"/>
+                <a:ea typeface="Arial"/>
+                <a:cs typeface="Arial"/>
+                <a:sym typeface="Arial"/>
               </a:defRPr>
             </a:pPr>
             <a:r>
@@ -33656,8 +33646,8 @@
         </p:nvSpPr>
         <p:spPr>
           <a:xfrm>
-            <a:off x="622320" y="3105191"/>
-            <a:ext cx="2212886" cy="548641"/>
+            <a:off x="605276" y="3581061"/>
+            <a:ext cx="2169415" cy="725565"/>
           </a:xfrm>
           <a:prstGeom prst="rect">
             <a:avLst/>
@@ -33677,9 +33667,9 @@
           </a:bodyPr>
           <a:lstStyle/>
           <a:p>
-            <a:pPr marL="457200" indent="-317500" defTabSz="457200">
+            <a:pPr marL="527755" indent="-388055" defTabSz="457200">
               <a:lnSpc>
-                <a:spcPts val="2300"/>
+                <a:spcPts val="1700"/>
               </a:lnSpc>
               <a:spcBef>
                 <a:spcPts val="0"/>
@@ -33690,14 +33680,14 @@
               <a:buSzPct val="100000"/>
               <a:buFont typeface="Menlo"/>
               <a:buChar char="•"/>
-              <a:defRPr b="0" sz="900">
-                <a:solidFill>
-                  <a:srgbClr val="3F6E74"/>
-                </a:solidFill>
-                <a:latin typeface="Menlo"/>
-                <a:ea typeface="Menlo"/>
-                <a:cs typeface="Menlo"/>
-                <a:sym typeface="Menlo"/>
+              <a:defRPr b="0" sz="1100">
+                <a:solidFill>
+                  <a:srgbClr val="5C2699"/>
+                </a:solidFill>
+                <a:latin typeface="Arial"/>
+                <a:ea typeface="Arial"/>
+                <a:cs typeface="Arial"/>
+                <a:sym typeface="Arial"/>
               </a:defRPr>
             </a:pPr>
             <a:r>
@@ -33728,11 +33718,6 @@
               <a:t>: </a:t>
             </a:r>
             <a:r>
-              <a:rPr>
-                <a:solidFill>
-                  <a:srgbClr val="5C2699"/>
-                </a:solidFill>
-              </a:rPr>
               <a:t>Person</a:t>
             </a:r>
             <a:r>
@@ -33750,9 +33735,9 @@
             </a:endParaRPr>
           </a:p>
           <a:p>
-            <a:pPr marL="457200" indent="-317500" defTabSz="457200">
+            <a:pPr marL="527755" indent="-388055" defTabSz="457200">
               <a:lnSpc>
-                <a:spcPts val="2300"/>
+                <a:spcPts val="1700"/>
               </a:lnSpc>
               <a:spcBef>
                 <a:spcPts val="0"/>
@@ -33763,14 +33748,14 @@
               <a:buSzPct val="100000"/>
               <a:buFont typeface="Menlo"/>
               <a:buChar char="•"/>
-              <a:defRPr b="0" sz="900">
-                <a:solidFill>
-                  <a:srgbClr val="3F6E74"/>
-                </a:solidFill>
-                <a:latin typeface="Menlo"/>
-                <a:ea typeface="Menlo"/>
-                <a:cs typeface="Menlo"/>
-                <a:sym typeface="Menlo"/>
+              <a:defRPr b="0" sz="1100">
+                <a:solidFill>
+                  <a:srgbClr val="5C2699"/>
+                </a:solidFill>
+                <a:latin typeface="Arial"/>
+                <a:ea typeface="Arial"/>
+                <a:cs typeface="Arial"/>
+                <a:sym typeface="Arial"/>
               </a:defRPr>
             </a:pPr>
             <a:r>
@@ -33801,11 +33786,6 @@
               <a:t>: </a:t>
             </a:r>
             <a:r>
-              <a:rPr>
-                <a:solidFill>
-                  <a:srgbClr val="5C2699"/>
-                </a:solidFill>
-              </a:rPr>
               <a:t>Person</a:t>
             </a:r>
             <a:r>
@@ -33823,9 +33803,9 @@
             </a:endParaRPr>
           </a:p>
           <a:p>
-            <a:pPr marL="457200" indent="-317500" defTabSz="457200">
+            <a:pPr marL="527755" indent="-388055" defTabSz="457200">
               <a:lnSpc>
-                <a:spcPts val="2300"/>
+                <a:spcPts val="1700"/>
               </a:lnSpc>
               <a:spcBef>
                 <a:spcPts val="0"/>
@@ -33836,14 +33816,14 @@
               <a:buSzPct val="100000"/>
               <a:buFont typeface="Menlo"/>
               <a:buChar char="•"/>
-              <a:defRPr b="0" sz="900">
-                <a:solidFill>
-                  <a:srgbClr val="3F6E74"/>
-                </a:solidFill>
-                <a:latin typeface="Menlo"/>
-                <a:ea typeface="Menlo"/>
-                <a:cs typeface="Menlo"/>
-                <a:sym typeface="Menlo"/>
+              <a:defRPr b="0" sz="1100">
+                <a:solidFill>
+                  <a:srgbClr val="5C2699"/>
+                </a:solidFill>
+                <a:latin typeface="Arial"/>
+                <a:ea typeface="Arial"/>
+                <a:cs typeface="Arial"/>
+                <a:sym typeface="Arial"/>
               </a:defRPr>
             </a:pPr>
             <a:r>
@@ -33874,11 +33854,6 @@
               <a:t>: </a:t>
             </a:r>
             <a:r>
-              <a:rPr>
-                <a:solidFill>
-                  <a:srgbClr val="5C2699"/>
-                </a:solidFill>
-              </a:rPr>
               <a:t>Person</a:t>
             </a:r>
             <a:r>
@@ -33900,8 +33875,8 @@
         </p:nvSpPr>
         <p:spPr>
           <a:xfrm>
-            <a:off x="566927" y="3830442"/>
-            <a:ext cx="3795618" cy="383541"/>
+            <a:off x="592493" y="4299147"/>
+            <a:ext cx="3554000" cy="509666"/>
           </a:xfrm>
           <a:prstGeom prst="rect">
             <a:avLst/>
@@ -33921,9 +33896,9 @@
           </a:bodyPr>
           <a:lstStyle/>
           <a:p>
-            <a:pPr marL="457200" indent="-317500" defTabSz="457200">
+            <a:pPr marL="527755" indent="-388055" defTabSz="457200">
               <a:lnSpc>
-                <a:spcPts val="2300"/>
+                <a:spcPts val="1700"/>
               </a:lnSpc>
               <a:spcBef>
                 <a:spcPts val="0"/>
@@ -33934,14 +33909,14 @@
               <a:buSzPct val="100000"/>
               <a:buFont typeface="Menlo"/>
               <a:buChar char="•"/>
-              <a:defRPr b="0" sz="900">
-                <a:solidFill>
-                  <a:srgbClr val="C41A16"/>
-                </a:solidFill>
-                <a:latin typeface="Menlo"/>
-                <a:ea typeface="Menlo"/>
-                <a:cs typeface="Menlo"/>
-                <a:sym typeface="Menlo"/>
+              <a:defRPr b="0" sz="1100">
+                <a:solidFill>
+                  <a:srgbClr val="5C2699"/>
+                </a:solidFill>
+                <a:latin typeface="Arial"/>
+                <a:ea typeface="Arial"/>
+                <a:cs typeface="Arial"/>
+                <a:sym typeface="Arial"/>
               </a:defRPr>
             </a:pPr>
             <a:r>
@@ -34010,9 +33985,9 @@
             </a:endParaRPr>
           </a:p>
           <a:p>
-            <a:pPr marL="457200" indent="-317500" defTabSz="457200">
+            <a:pPr marL="527755" indent="-388055" defTabSz="457200">
               <a:lnSpc>
-                <a:spcPts val="2300"/>
+                <a:spcPts val="1700"/>
               </a:lnSpc>
               <a:spcBef>
                 <a:spcPts val="0"/>
@@ -34023,14 +33998,14 @@
               <a:buSzPct val="100000"/>
               <a:buFont typeface="Menlo"/>
               <a:buChar char="•"/>
-              <a:defRPr b="0" sz="900">
-                <a:solidFill>
-                  <a:srgbClr val="007400"/>
-                </a:solidFill>
-                <a:latin typeface="Menlo"/>
-                <a:ea typeface="Menlo"/>
-                <a:cs typeface="Menlo"/>
-                <a:sym typeface="Menlo"/>
+              <a:defRPr b="0" sz="1100">
+                <a:solidFill>
+                  <a:srgbClr val="5C2699"/>
+                </a:solidFill>
+                <a:latin typeface="Arial"/>
+                <a:ea typeface="Arial"/>
+                <a:cs typeface="Arial"/>
+                <a:sym typeface="Arial"/>
               </a:defRPr>
             </a:pPr>
             <a:r>
@@ -34048,7 +34023,7 @@
         <p:spPr>
           <a:xfrm>
             <a:off x="5185798" y="1171609"/>
-            <a:ext cx="2212886" cy="751841"/>
+            <a:ext cx="2165663" cy="941466"/>
           </a:xfrm>
           <a:prstGeom prst="rect">
             <a:avLst/>
@@ -34068,9 +34043,9 @@
           </a:bodyPr>
           <a:lstStyle/>
           <a:p>
-            <a:pPr marL="457200" indent="-317500" defTabSz="457200">
+            <a:pPr marL="527755" indent="-388055" defTabSz="457200">
               <a:lnSpc>
-                <a:spcPts val="2400"/>
+                <a:spcPts val="1700"/>
               </a:lnSpc>
               <a:spcBef>
                 <a:spcPts val="0"/>
@@ -34081,14 +34056,14 @@
               <a:buSzPct val="100000"/>
               <a:buFont typeface="Menlo"/>
               <a:buChar char="•"/>
-              <a:defRPr b="0" sz="900">
-                <a:solidFill>
-                  <a:srgbClr val="3F6E74"/>
-                </a:solidFill>
-                <a:latin typeface="Menlo"/>
-                <a:ea typeface="Menlo"/>
-                <a:cs typeface="Menlo"/>
-                <a:sym typeface="Menlo"/>
+              <a:defRPr b="0" sz="1100">
+                <a:solidFill>
+                  <a:srgbClr val="5C2699"/>
+                </a:solidFill>
+                <a:latin typeface="Arial"/>
+                <a:ea typeface="Arial"/>
+                <a:cs typeface="Arial"/>
+                <a:sym typeface="Arial"/>
               </a:defRPr>
             </a:pPr>
             <a:r>
@@ -34112,9 +34087,9 @@
             </a:endParaRPr>
           </a:p>
           <a:p>
-            <a:pPr marL="457200" indent="-317500" defTabSz="457200">
+            <a:pPr marL="527755" indent="-388055" defTabSz="457200">
               <a:lnSpc>
-                <a:spcPts val="2400"/>
+                <a:spcPts val="1700"/>
               </a:lnSpc>
               <a:spcBef>
                 <a:spcPts val="0"/>
@@ -34125,14 +34100,14 @@
               <a:buSzPct val="100000"/>
               <a:buFont typeface="Menlo"/>
               <a:buChar char="•"/>
-              <a:defRPr b="0" sz="900">
-                <a:solidFill>
-                  <a:srgbClr val="3F6E74"/>
-                </a:solidFill>
-                <a:latin typeface="Menlo"/>
-                <a:ea typeface="Menlo"/>
-                <a:cs typeface="Menlo"/>
-                <a:sym typeface="Menlo"/>
+              <a:defRPr b="0" sz="1100">
+                <a:solidFill>
+                  <a:srgbClr val="5C2699"/>
+                </a:solidFill>
+                <a:latin typeface="Arial"/>
+                <a:ea typeface="Arial"/>
+                <a:cs typeface="Arial"/>
+                <a:sym typeface="Arial"/>
               </a:defRPr>
             </a:pPr>
             <a:r>
@@ -34151,9 +34126,9 @@
             </a:r>
           </a:p>
           <a:p>
-            <a:pPr marL="457200" indent="-317500" defTabSz="457200">
+            <a:pPr marL="527755" indent="-388055" defTabSz="457200">
               <a:lnSpc>
-                <a:spcPts val="2400"/>
+                <a:spcPts val="1700"/>
               </a:lnSpc>
               <a:spcBef>
                 <a:spcPts val="0"/>
@@ -34164,14 +34139,14 @@
               <a:buSzPct val="100000"/>
               <a:buFont typeface="Menlo"/>
               <a:buChar char="•"/>
-              <a:defRPr b="0" sz="900">
-                <a:solidFill>
-                  <a:srgbClr val="3F6E74"/>
-                </a:solidFill>
-                <a:latin typeface="Menlo"/>
-                <a:ea typeface="Menlo"/>
-                <a:cs typeface="Menlo"/>
-                <a:sym typeface="Menlo"/>
+              <a:defRPr b="0" sz="1100">
+                <a:solidFill>
+                  <a:srgbClr val="5C2699"/>
+                </a:solidFill>
+                <a:latin typeface="Arial"/>
+                <a:ea typeface="Arial"/>
+                <a:cs typeface="Arial"/>
+                <a:sym typeface="Arial"/>
               </a:defRPr>
             </a:pPr>
             <a:r>
@@ -34200,9 +34175,9 @@
             </a:endParaRPr>
           </a:p>
           <a:p>
-            <a:pPr marL="457200" indent="-317500" defTabSz="457200">
+            <a:pPr marL="527755" indent="-388055" defTabSz="457200">
               <a:lnSpc>
-                <a:spcPts val="2400"/>
+                <a:spcPts val="1700"/>
               </a:lnSpc>
               <a:spcBef>
                 <a:spcPts val="0"/>
@@ -34213,14 +34188,14 @@
               <a:buSzPct val="100000"/>
               <a:buFont typeface="Menlo"/>
               <a:buChar char="•"/>
-              <a:defRPr b="0" sz="900">
-                <a:solidFill>
-                  <a:srgbClr val="3F6E74"/>
-                </a:solidFill>
-                <a:latin typeface="Menlo"/>
-                <a:ea typeface="Menlo"/>
-                <a:cs typeface="Menlo"/>
-                <a:sym typeface="Menlo"/>
+              <a:defRPr b="0" sz="1100">
+                <a:solidFill>
+                  <a:srgbClr val="5C2699"/>
+                </a:solidFill>
+                <a:latin typeface="Arial"/>
+                <a:ea typeface="Arial"/>
+                <a:cs typeface="Arial"/>
+                <a:sym typeface="Arial"/>
               </a:defRPr>
             </a:pPr>
             <a:r>
@@ -34253,8 +34228,8 @@
         </p:nvSpPr>
         <p:spPr>
           <a:xfrm>
-            <a:off x="5194320" y="2019539"/>
-            <a:ext cx="3933246" cy="383541"/>
+            <a:off x="5194320" y="2030627"/>
+            <a:ext cx="3526851" cy="509666"/>
           </a:xfrm>
           <a:prstGeom prst="rect">
             <a:avLst/>
@@ -34274,9 +34249,9 @@
           </a:bodyPr>
           <a:lstStyle/>
           <a:p>
-            <a:pPr marL="457200" indent="-317500" defTabSz="457200">
+            <a:pPr marL="527755" indent="-388055" defTabSz="457200">
               <a:lnSpc>
-                <a:spcPts val="2300"/>
+                <a:spcPts val="1700"/>
               </a:lnSpc>
               <a:spcBef>
                 <a:spcPts val="0"/>
@@ -34287,14 +34262,14 @@
               <a:buSzPct val="100000"/>
               <a:buFont typeface="Menlo"/>
               <a:buChar char="•"/>
-              <a:defRPr b="0" sz="900">
-                <a:solidFill>
-                  <a:srgbClr val="3F6E74"/>
-                </a:solidFill>
-                <a:latin typeface="Menlo"/>
-                <a:ea typeface="Menlo"/>
-                <a:cs typeface="Menlo"/>
-                <a:sym typeface="Menlo"/>
+              <a:defRPr b="0" sz="1100">
+                <a:solidFill>
+                  <a:srgbClr val="5C2699"/>
+                </a:solidFill>
+                <a:latin typeface="Arial"/>
+                <a:ea typeface="Arial"/>
+                <a:cs typeface="Arial"/>
+                <a:sym typeface="Arial"/>
               </a:defRPr>
             </a:pPr>
             <a:r>
@@ -34323,9 +34298,9 @@
             </a:endParaRPr>
           </a:p>
           <a:p>
-            <a:pPr marL="457200" indent="-317500" defTabSz="457200">
+            <a:pPr marL="527755" indent="-388055" defTabSz="457200">
               <a:lnSpc>
-                <a:spcPts val="2300"/>
+                <a:spcPts val="1700"/>
               </a:lnSpc>
               <a:spcBef>
                 <a:spcPts val="0"/>
@@ -34336,14 +34311,14 @@
               <a:buSzPct val="100000"/>
               <a:buFont typeface="Menlo"/>
               <a:buChar char="•"/>
-              <a:defRPr b="0" sz="900">
-                <a:solidFill>
-                  <a:srgbClr val="007400"/>
-                </a:solidFill>
-                <a:latin typeface="Menlo"/>
-                <a:ea typeface="Menlo"/>
-                <a:cs typeface="Menlo"/>
-                <a:sym typeface="Menlo"/>
+              <a:defRPr b="0" sz="1100">
+                <a:solidFill>
+                  <a:srgbClr val="5C2699"/>
+                </a:solidFill>
+                <a:latin typeface="Arial"/>
+                <a:ea typeface="Arial"/>
+                <a:cs typeface="Arial"/>
+                <a:sym typeface="Arial"/>
               </a:defRPr>
             </a:pPr>
             <a:r>
@@ -34496,7 +34471,7 @@
         <p:spPr>
           <a:xfrm>
             <a:off x="694756" y="1129000"/>
-            <a:ext cx="5034277" cy="2364741"/>
+            <a:ext cx="4163209" cy="3100465"/>
           </a:xfrm>
           <a:prstGeom prst="rect">
             <a:avLst/>
@@ -34516,9 +34491,9 @@
           </a:bodyPr>
           <a:lstStyle/>
           <a:p>
-            <a:pPr marL="457200" indent="-317500" defTabSz="457200">
+            <a:pPr marL="527755" indent="-388055" defTabSz="457200">
               <a:lnSpc>
-                <a:spcPts val="2300"/>
+                <a:spcPts val="1700"/>
               </a:lnSpc>
               <a:spcBef>
                 <a:spcPts val="0"/>
@@ -34529,14 +34504,14 @@
               <a:buSzPct val="100000"/>
               <a:buFont typeface="Menlo"/>
               <a:buChar char="•"/>
-              <a:defRPr b="0" sz="900">
-                <a:solidFill>
-                  <a:srgbClr val="AA0D91"/>
-                </a:solidFill>
-                <a:latin typeface="Menlo"/>
-                <a:ea typeface="Menlo"/>
-                <a:cs typeface="Menlo"/>
-                <a:sym typeface="Menlo"/>
+              <a:defRPr b="0" sz="1100">
+                <a:solidFill>
+                  <a:srgbClr val="5C2699"/>
+                </a:solidFill>
+                <a:latin typeface="Arial"/>
+                <a:ea typeface="Arial"/>
+                <a:cs typeface="Arial"/>
+                <a:sym typeface="Arial"/>
               </a:defRPr>
             </a:pPr>
             <a:r>
@@ -34573,9 +34548,9 @@
             </a:endParaRPr>
           </a:p>
           <a:p>
-            <a:pPr marL="457200" indent="-317500" defTabSz="457200">
+            <a:pPr marL="527755" indent="-388055" defTabSz="457200">
               <a:lnSpc>
-                <a:spcPts val="2300"/>
+                <a:spcPts val="1700"/>
               </a:lnSpc>
               <a:spcBef>
                 <a:spcPts val="0"/>
@@ -34586,14 +34561,14 @@
               <a:buSzPct val="100000"/>
               <a:buFont typeface="Menlo"/>
               <a:buChar char="•"/>
-              <a:defRPr b="0" sz="900">
-                <a:solidFill>
-                  <a:srgbClr val="333333"/>
-                </a:solidFill>
-                <a:latin typeface="Menlo"/>
-                <a:ea typeface="Menlo"/>
-                <a:cs typeface="Menlo"/>
-                <a:sym typeface="Menlo"/>
+              <a:defRPr b="0" sz="1100">
+                <a:solidFill>
+                  <a:srgbClr val="5C2699"/>
+                </a:solidFill>
+                <a:latin typeface="Arial"/>
+                <a:ea typeface="Arial"/>
+                <a:cs typeface="Arial"/>
+                <a:sym typeface="Arial"/>
               </a:defRPr>
             </a:pPr>
             <a:r>
@@ -34622,18 +34597,13 @@
               <a:t>: </a:t>
             </a:r>
             <a:r>
-              <a:rPr>
-                <a:solidFill>
-                  <a:srgbClr val="5C2699"/>
-                </a:solidFill>
-              </a:rPr>
               <a:t>String</a:t>
             </a:r>
           </a:p>
           <a:p>
-            <a:pPr marL="457200" indent="-317500" defTabSz="457200">
+            <a:pPr marL="527755" indent="-388055" defTabSz="457200">
               <a:lnSpc>
-                <a:spcPts val="2300"/>
+                <a:spcPts val="1700"/>
               </a:lnSpc>
               <a:spcBef>
                 <a:spcPts val="0"/>
@@ -34644,14 +34614,14 @@
               <a:buSzPct val="100000"/>
               <a:buFont typeface="Menlo"/>
               <a:buChar char="•"/>
-              <a:defRPr b="0" sz="900">
-                <a:solidFill>
-                  <a:srgbClr val="333333"/>
-                </a:solidFill>
-                <a:latin typeface="Menlo"/>
-                <a:ea typeface="Menlo"/>
-                <a:cs typeface="Menlo"/>
-                <a:sym typeface="Menlo"/>
+              <a:defRPr b="0" sz="1100">
+                <a:solidFill>
+                  <a:srgbClr val="5C2699"/>
+                </a:solidFill>
+                <a:latin typeface="Arial"/>
+                <a:ea typeface="Arial"/>
+                <a:cs typeface="Arial"/>
+                <a:sym typeface="Arial"/>
               </a:defRPr>
             </a:pPr>
             <a:r>
@@ -34680,11 +34650,6 @@
               <a:t>: </a:t>
             </a:r>
             <a:r>
-              <a:rPr>
-                <a:solidFill>
-                  <a:srgbClr val="5C2699"/>
-                </a:solidFill>
-              </a:rPr>
               <a:t>String</a:t>
             </a:r>
             <a:r>
@@ -34725,9 +34690,9 @@
             </a:r>
           </a:p>
           <a:p>
-            <a:pPr marL="457200" indent="-317500" defTabSz="457200">
+            <a:pPr marL="527755" indent="-388055" defTabSz="457200">
               <a:lnSpc>
-                <a:spcPts val="2300"/>
+                <a:spcPts val="1700"/>
               </a:lnSpc>
               <a:spcBef>
                 <a:spcPts val="0"/>
@@ -34738,14 +34703,14 @@
               <a:buSzPct val="100000"/>
               <a:buFont typeface="Menlo"/>
               <a:buChar char="•"/>
-              <a:defRPr b="0" sz="900">
-                <a:solidFill>
-                  <a:srgbClr val="3F6E74"/>
-                </a:solidFill>
-                <a:latin typeface="Menlo"/>
-                <a:ea typeface="Menlo"/>
-                <a:cs typeface="Menlo"/>
-                <a:sym typeface="Menlo"/>
+              <a:defRPr b="0" sz="1100">
+                <a:solidFill>
+                  <a:srgbClr val="5C2699"/>
+                </a:solidFill>
+                <a:latin typeface="Arial"/>
+                <a:ea typeface="Arial"/>
+                <a:cs typeface="Arial"/>
+                <a:sym typeface="Arial"/>
               </a:defRPr>
             </a:pPr>
             <a:r>
@@ -34784,11 +34749,6 @@
               <a:t>: </a:t>
             </a:r>
             <a:r>
-              <a:rPr>
-                <a:solidFill>
-                  <a:srgbClr val="5C2699"/>
-                </a:solidFill>
-              </a:rPr>
               <a:t>Apartment</a:t>
             </a:r>
             <a:r>
@@ -34806,9 +34766,9 @@
             </a:endParaRPr>
           </a:p>
           <a:p>
-            <a:pPr marL="457200" indent="-317500" defTabSz="457200">
+            <a:pPr marL="527755" indent="-388055" defTabSz="457200">
               <a:lnSpc>
-                <a:spcPts val="2300"/>
+                <a:spcPts val="1700"/>
               </a:lnSpc>
               <a:spcBef>
                 <a:spcPts val="0"/>
@@ -34819,14 +34779,14 @@
               <a:buSzPct val="100000"/>
               <a:buFont typeface="Menlo"/>
               <a:buChar char="•"/>
-              <a:defRPr b="0" sz="900">
-                <a:solidFill>
-                  <a:srgbClr val="C41A16"/>
-                </a:solidFill>
-                <a:latin typeface="Menlo"/>
-                <a:ea typeface="Menlo"/>
-                <a:cs typeface="Menlo"/>
-                <a:sym typeface="Menlo"/>
+              <a:defRPr b="0" sz="1100">
+                <a:solidFill>
+                  <a:srgbClr val="5C2699"/>
+                </a:solidFill>
+                <a:latin typeface="Arial"/>
+                <a:ea typeface="Arial"/>
+                <a:cs typeface="Arial"/>
+                <a:sym typeface="Arial"/>
               </a:defRPr>
             </a:pPr>
             <a:r>
@@ -34914,9 +34874,9 @@
             </a:endParaRPr>
           </a:p>
           <a:p>
-            <a:pPr marL="457200" indent="-317500" defTabSz="457200">
+            <a:pPr marL="527755" indent="-388055" defTabSz="457200">
               <a:lnSpc>
-                <a:spcPts val="2300"/>
+                <a:spcPts val="1700"/>
               </a:lnSpc>
               <a:spcBef>
                 <a:spcPts val="0"/>
@@ -34927,14 +34887,14 @@
               <a:buSzPct val="100000"/>
               <a:buFont typeface="Menlo"/>
               <a:buChar char="•"/>
-              <a:defRPr b="0" sz="900">
-                <a:solidFill>
-                  <a:srgbClr val="333333"/>
-                </a:solidFill>
-                <a:latin typeface="Menlo"/>
-                <a:ea typeface="Menlo"/>
-                <a:cs typeface="Menlo"/>
-                <a:sym typeface="Menlo"/>
+              <a:defRPr b="0" sz="1100">
+                <a:solidFill>
+                  <a:srgbClr val="5C2699"/>
+                </a:solidFill>
+                <a:latin typeface="Arial"/>
+                <a:ea typeface="Arial"/>
+                <a:cs typeface="Arial"/>
+                <a:sym typeface="Arial"/>
               </a:defRPr>
             </a:pPr>
             <a:r>
@@ -34942,9 +34902,9 @@
             </a:r>
           </a:p>
           <a:p>
-            <a:pPr marL="457200" indent="-317500" defTabSz="457200">
+            <a:pPr marL="527755" indent="-388055" defTabSz="457200">
               <a:lnSpc>
-                <a:spcPts val="2300"/>
+                <a:spcPts val="1700"/>
               </a:lnSpc>
               <a:spcBef>
                 <a:spcPts val="0"/>
@@ -34955,21 +34915,21 @@
               <a:buSzPct val="100000"/>
               <a:buFont typeface="Menlo"/>
               <a:buChar char="•"/>
-              <a:defRPr b="0" sz="900">
-                <a:solidFill>
-                  <a:srgbClr val="333333"/>
-                </a:solidFill>
-                <a:latin typeface="Menlo"/>
-                <a:ea typeface="Menlo"/>
-                <a:cs typeface="Menlo"/>
-                <a:sym typeface="Menlo"/>
+              <a:defRPr b="0" sz="1100">
+                <a:solidFill>
+                  <a:srgbClr val="5C2699"/>
+                </a:solidFill>
+                <a:latin typeface="Arial"/>
+                <a:ea typeface="Arial"/>
+                <a:cs typeface="Arial"/>
+                <a:sym typeface="Arial"/>
               </a:defRPr>
             </a:pPr>
           </a:p>
           <a:p>
-            <a:pPr marL="457200" indent="-317500" defTabSz="457200">
+            <a:pPr marL="527755" indent="-388055" defTabSz="457200">
               <a:lnSpc>
-                <a:spcPts val="2300"/>
+                <a:spcPts val="1700"/>
               </a:lnSpc>
               <a:spcBef>
                 <a:spcPts val="0"/>
@@ -34980,14 +34940,14 @@
               <a:buSzPct val="100000"/>
               <a:buFont typeface="Menlo"/>
               <a:buChar char="•"/>
-              <a:defRPr b="0" sz="900">
-                <a:solidFill>
-                  <a:srgbClr val="3F6E74"/>
-                </a:solidFill>
-                <a:latin typeface="Menlo"/>
-                <a:ea typeface="Menlo"/>
-                <a:cs typeface="Menlo"/>
-                <a:sym typeface="Menlo"/>
+              <a:defRPr b="0" sz="1100">
+                <a:solidFill>
+                  <a:srgbClr val="5C2699"/>
+                </a:solidFill>
+                <a:latin typeface="Arial"/>
+                <a:ea typeface="Arial"/>
+                <a:cs typeface="Arial"/>
+                <a:sym typeface="Arial"/>
               </a:defRPr>
             </a:pPr>
             <a:r>
@@ -35024,9 +34984,9 @@
             </a:endParaRPr>
           </a:p>
           <a:p>
-            <a:pPr marL="457200" indent="-317500" defTabSz="457200">
+            <a:pPr marL="527755" indent="-388055" defTabSz="457200">
               <a:lnSpc>
-                <a:spcPts val="2300"/>
+                <a:spcPts val="1700"/>
               </a:lnSpc>
               <a:spcBef>
                 <a:spcPts val="0"/>
@@ -35037,14 +34997,14 @@
               <a:buSzPct val="100000"/>
               <a:buFont typeface="Menlo"/>
               <a:buChar char="•"/>
-              <a:defRPr b="0" sz="900">
-                <a:solidFill>
-                  <a:srgbClr val="333333"/>
-                </a:solidFill>
-                <a:latin typeface="Menlo"/>
-                <a:ea typeface="Menlo"/>
-                <a:cs typeface="Menlo"/>
-                <a:sym typeface="Menlo"/>
+              <a:defRPr b="0" sz="1100">
+                <a:solidFill>
+                  <a:srgbClr val="5C2699"/>
+                </a:solidFill>
+                <a:latin typeface="Arial"/>
+                <a:ea typeface="Arial"/>
+                <a:cs typeface="Arial"/>
+                <a:sym typeface="Arial"/>
               </a:defRPr>
             </a:pPr>
             <a:r>
@@ -35073,18 +35033,13 @@
               <a:t>: </a:t>
             </a:r>
             <a:r>
-              <a:rPr>
-                <a:solidFill>
-                  <a:srgbClr val="5C2699"/>
-                </a:solidFill>
-              </a:rPr>
               <a:t>String</a:t>
             </a:r>
           </a:p>
           <a:p>
-            <a:pPr marL="457200" indent="-317500" defTabSz="457200">
+            <a:pPr marL="527755" indent="-388055" defTabSz="457200">
               <a:lnSpc>
-                <a:spcPts val="2300"/>
+                <a:spcPts val="1700"/>
               </a:lnSpc>
               <a:spcBef>
                 <a:spcPts val="0"/>
@@ -35095,14 +35050,14 @@
               <a:buSzPct val="100000"/>
               <a:buFont typeface="Menlo"/>
               <a:buChar char="•"/>
-              <a:defRPr b="0" sz="900">
-                <a:solidFill>
-                  <a:srgbClr val="333333"/>
-                </a:solidFill>
-                <a:latin typeface="Menlo"/>
-                <a:ea typeface="Menlo"/>
-                <a:cs typeface="Menlo"/>
-                <a:sym typeface="Menlo"/>
+              <a:defRPr b="0" sz="1100">
+                <a:solidFill>
+                  <a:srgbClr val="5C2699"/>
+                </a:solidFill>
+                <a:latin typeface="Arial"/>
+                <a:ea typeface="Arial"/>
+                <a:cs typeface="Arial"/>
+                <a:sym typeface="Arial"/>
               </a:defRPr>
             </a:pPr>
             <a:r>
@@ -35131,11 +35086,6 @@
               <a:t>: </a:t>
             </a:r>
             <a:r>
-              <a:rPr>
-                <a:solidFill>
-                  <a:srgbClr val="5C2699"/>
-                </a:solidFill>
-              </a:rPr>
               <a:t>String</a:t>
             </a:r>
             <a:r>
@@ -35176,9 +35126,9 @@
             </a:r>
           </a:p>
           <a:p>
-            <a:pPr marL="457200" indent="-317500" defTabSz="457200">
+            <a:pPr marL="527755" indent="-388055" defTabSz="457200">
               <a:lnSpc>
-                <a:spcPts val="2300"/>
+                <a:spcPts val="1700"/>
               </a:lnSpc>
               <a:spcBef>
                 <a:spcPts val="0"/>
@@ -35189,14 +35139,14 @@
               <a:buSzPct val="100000"/>
               <a:buFont typeface="Menlo"/>
               <a:buChar char="•"/>
-              <a:defRPr b="0" sz="900">
-                <a:solidFill>
-                  <a:srgbClr val="333333"/>
-                </a:solidFill>
-                <a:latin typeface="Menlo"/>
-                <a:ea typeface="Menlo"/>
-                <a:cs typeface="Menlo"/>
-                <a:sym typeface="Menlo"/>
+              <a:defRPr b="0" sz="1100">
+                <a:solidFill>
+                  <a:srgbClr val="5C2699"/>
+                </a:solidFill>
+                <a:latin typeface="Arial"/>
+                <a:ea typeface="Arial"/>
+                <a:cs typeface="Arial"/>
+                <a:sym typeface="Arial"/>
               </a:defRPr>
             </a:pPr>
             <a:r>
@@ -35225,11 +35175,6 @@
               <a:t>: </a:t>
             </a:r>
             <a:r>
-              <a:rPr>
-                <a:solidFill>
-                  <a:srgbClr val="5C2699"/>
-                </a:solidFill>
-              </a:rPr>
               <a:t>Person</a:t>
             </a:r>
             <a:r>
@@ -35237,9 +35182,9 @@
             </a:r>
           </a:p>
           <a:p>
-            <a:pPr marL="457200" indent="-317500" defTabSz="457200">
+            <a:pPr marL="527755" indent="-388055" defTabSz="457200">
               <a:lnSpc>
-                <a:spcPts val="2300"/>
+                <a:spcPts val="1700"/>
               </a:lnSpc>
               <a:spcBef>
                 <a:spcPts val="0"/>
@@ -35250,14 +35195,14 @@
               <a:buSzPct val="100000"/>
               <a:buFont typeface="Menlo"/>
               <a:buChar char="•"/>
-              <a:defRPr b="0" sz="900">
-                <a:solidFill>
-                  <a:srgbClr val="C41A16"/>
-                </a:solidFill>
-                <a:latin typeface="Menlo"/>
-                <a:ea typeface="Menlo"/>
-                <a:cs typeface="Menlo"/>
-                <a:sym typeface="Menlo"/>
+              <a:defRPr b="0" sz="1100">
+                <a:solidFill>
+                  <a:srgbClr val="5C2699"/>
+                </a:solidFill>
+                <a:latin typeface="Arial"/>
+                <a:ea typeface="Arial"/>
+                <a:cs typeface="Arial"/>
+                <a:sym typeface="Arial"/>
               </a:defRPr>
             </a:pPr>
             <a:r>
@@ -35345,9 +35290,9 @@
             </a:endParaRPr>
           </a:p>
           <a:p>
-            <a:pPr marL="457200" indent="-317500" defTabSz="457200">
+            <a:pPr marL="527755" indent="-388055" defTabSz="457200">
               <a:lnSpc>
-                <a:spcPts val="2300"/>
+                <a:spcPts val="1700"/>
               </a:lnSpc>
               <a:spcBef>
                 <a:spcPts val="0"/>
@@ -35358,14 +35303,14 @@
               <a:buSzPct val="100000"/>
               <a:buFont typeface="Menlo"/>
               <a:buChar char="•"/>
-              <a:defRPr b="0" sz="900">
-                <a:solidFill>
-                  <a:srgbClr val="333333"/>
-                </a:solidFill>
-                <a:latin typeface="Menlo"/>
-                <a:ea typeface="Menlo"/>
-                <a:cs typeface="Menlo"/>
-                <a:sym typeface="Menlo"/>
+              <a:defRPr b="0" sz="1100">
+                <a:solidFill>
+                  <a:srgbClr val="5C2699"/>
+                </a:solidFill>
+                <a:latin typeface="Arial"/>
+                <a:ea typeface="Arial"/>
+                <a:cs typeface="Arial"/>
+                <a:sym typeface="Arial"/>
               </a:defRPr>
             </a:pPr>
             <a:r>
@@ -35518,7 +35463,7 @@
         <p:spPr>
           <a:xfrm>
             <a:off x="677712" y="1133261"/>
-            <a:ext cx="3176288" cy="751841"/>
+            <a:ext cx="3150248" cy="941465"/>
           </a:xfrm>
           <a:prstGeom prst="rect">
             <a:avLst/>
@@ -35538,9 +35483,9 @@
           </a:bodyPr>
           <a:lstStyle/>
           <a:p>
-            <a:pPr marL="457200" indent="-317500" defTabSz="457200">
+            <a:pPr marL="527755" indent="-388055" defTabSz="457200">
               <a:lnSpc>
-                <a:spcPts val="2400"/>
+                <a:spcPts val="1700"/>
               </a:lnSpc>
               <a:spcBef>
                 <a:spcPts val="0"/>
@@ -35551,14 +35496,14 @@
               <a:buSzPct val="100000"/>
               <a:buFont typeface="Menlo"/>
               <a:buChar char="•"/>
-              <a:defRPr b="0" sz="900">
-                <a:solidFill>
-                  <a:srgbClr val="AA0D91"/>
-                </a:solidFill>
-                <a:latin typeface="Menlo"/>
-                <a:ea typeface="Menlo"/>
-                <a:cs typeface="Menlo"/>
-                <a:sym typeface="Menlo"/>
+              <a:defRPr b="0" sz="1100">
+                <a:solidFill>
+                  <a:srgbClr val="5C2699"/>
+                </a:solidFill>
+                <a:latin typeface="Arial"/>
+                <a:ea typeface="Arial"/>
+                <a:cs typeface="Arial"/>
+                <a:sym typeface="Arial"/>
               </a:defRPr>
             </a:pPr>
             <a:r>
@@ -35589,11 +35534,6 @@
               <a:t>: </a:t>
             </a:r>
             <a:r>
-              <a:rPr>
-                <a:solidFill>
-                  <a:srgbClr val="5C2699"/>
-                </a:solidFill>
-              </a:rPr>
               <a:t>Person</a:t>
             </a:r>
             <a:r>
@@ -35611,9 +35551,9 @@
             </a:endParaRPr>
           </a:p>
           <a:p>
-            <a:pPr marL="457200" indent="-317500" defTabSz="457200">
+            <a:pPr marL="527755" indent="-388055" defTabSz="457200">
               <a:lnSpc>
-                <a:spcPts val="2400"/>
+                <a:spcPts val="1700"/>
               </a:lnSpc>
               <a:spcBef>
                 <a:spcPts val="0"/>
@@ -35624,14 +35564,14 @@
               <a:buSzPct val="100000"/>
               <a:buFont typeface="Menlo"/>
               <a:buChar char="•"/>
-              <a:defRPr b="0" sz="900">
+              <a:defRPr b="0" sz="1100">
                 <a:solidFill>
                   <a:srgbClr val="5C2699"/>
                 </a:solidFill>
-                <a:latin typeface="Menlo"/>
-                <a:ea typeface="Menlo"/>
-                <a:cs typeface="Menlo"/>
-                <a:sym typeface="Menlo"/>
+                <a:latin typeface="Arial"/>
+                <a:ea typeface="Arial"/>
+                <a:cs typeface="Arial"/>
+                <a:sym typeface="Arial"/>
               </a:defRPr>
             </a:pPr>
             <a:r>
@@ -35684,9 +35624,9 @@
             </a:endParaRPr>
           </a:p>
           <a:p>
-            <a:pPr marL="457200" indent="-317500" defTabSz="457200">
+            <a:pPr marL="527755" indent="-388055" defTabSz="457200">
               <a:lnSpc>
-                <a:spcPts val="2400"/>
+                <a:spcPts val="1700"/>
               </a:lnSpc>
               <a:spcBef>
                 <a:spcPts val="0"/>
@@ -35697,14 +35637,14 @@
               <a:buSzPct val="100000"/>
               <a:buFont typeface="Menlo"/>
               <a:buChar char="•"/>
-              <a:defRPr b="0" sz="900">
-                <a:solidFill>
-                  <a:srgbClr val="C41A16"/>
-                </a:solidFill>
-                <a:latin typeface="Menlo"/>
-                <a:ea typeface="Menlo"/>
-                <a:cs typeface="Menlo"/>
-                <a:sym typeface="Menlo"/>
+              <a:defRPr b="0" sz="1100">
+                <a:solidFill>
+                  <a:srgbClr val="5C2699"/>
+                </a:solidFill>
+                <a:latin typeface="Arial"/>
+                <a:ea typeface="Arial"/>
+                <a:cs typeface="Arial"/>
+                <a:sym typeface="Arial"/>
               </a:defRPr>
             </a:pPr>
             <a:r>
@@ -35773,9 +35713,9 @@
             </a:endParaRPr>
           </a:p>
           <a:p>
-            <a:pPr marL="457200" indent="-317500" defTabSz="457200">
+            <a:pPr marL="527755" indent="-388055" defTabSz="457200">
               <a:lnSpc>
-                <a:spcPts val="2400"/>
+                <a:spcPts val="1700"/>
               </a:lnSpc>
               <a:spcBef>
                 <a:spcPts val="0"/>
@@ -35786,14 +35726,14 @@
               <a:buSzPct val="100000"/>
               <a:buFont typeface="Menlo"/>
               <a:buChar char="•"/>
-              <a:defRPr b="0" sz="900">
-                <a:solidFill>
-                  <a:srgbClr val="3F6E74"/>
-                </a:solidFill>
-                <a:latin typeface="Menlo"/>
-                <a:ea typeface="Menlo"/>
-                <a:cs typeface="Menlo"/>
-                <a:sym typeface="Menlo"/>
+              <a:defRPr b="0" sz="1100">
+                <a:solidFill>
+                  <a:srgbClr val="5C2699"/>
+                </a:solidFill>
+                <a:latin typeface="Arial"/>
+                <a:ea typeface="Arial"/>
+                <a:cs typeface="Arial"/>
+                <a:sym typeface="Arial"/>
               </a:defRPr>
             </a:pPr>
             <a:r>
@@ -35856,8 +35796,8 @@
         </p:nvSpPr>
         <p:spPr>
           <a:xfrm>
-            <a:off x="672694" y="2098969"/>
-            <a:ext cx="2281701" cy="383541"/>
+            <a:off x="672694" y="2184188"/>
+            <a:ext cx="2189060" cy="509665"/>
           </a:xfrm>
           <a:prstGeom prst="rect">
             <a:avLst/>
@@ -35877,9 +35817,9 @@
           </a:bodyPr>
           <a:lstStyle/>
           <a:p>
-            <a:pPr marL="457200" indent="-317500" defTabSz="457200">
+            <a:pPr marL="527755" indent="-388055" defTabSz="457200">
               <a:lnSpc>
-                <a:spcPts val="2300"/>
+                <a:spcPts val="1700"/>
               </a:lnSpc>
               <a:spcBef>
                 <a:spcPts val="0"/>
@@ -35890,14 +35830,14 @@
               <a:buSzPct val="100000"/>
               <a:buFont typeface="Menlo"/>
               <a:buChar char="•"/>
-              <a:defRPr b="0" sz="900">
-                <a:solidFill>
-                  <a:srgbClr val="3F6E74"/>
-                </a:solidFill>
-                <a:latin typeface="Menlo"/>
-                <a:ea typeface="Menlo"/>
-                <a:cs typeface="Menlo"/>
-                <a:sym typeface="Menlo"/>
+              <a:defRPr b="0" sz="1100">
+                <a:solidFill>
+                  <a:srgbClr val="5C2699"/>
+                </a:solidFill>
+                <a:latin typeface="Arial"/>
+                <a:ea typeface="Arial"/>
+                <a:cs typeface="Arial"/>
+                <a:sym typeface="Arial"/>
               </a:defRPr>
             </a:pPr>
             <a:r>
@@ -35932,9 +35872,9 @@
             </a:endParaRPr>
           </a:p>
           <a:p>
-            <a:pPr marL="457200" indent="-317500" defTabSz="457200">
+            <a:pPr marL="527755" indent="-388055" defTabSz="457200">
               <a:lnSpc>
-                <a:spcPts val="2300"/>
+                <a:spcPts val="1700"/>
               </a:lnSpc>
               <a:spcBef>
                 <a:spcPts val="0"/>
@@ -35945,14 +35885,14 @@
               <a:buSzPct val="100000"/>
               <a:buFont typeface="Menlo"/>
               <a:buChar char="•"/>
-              <a:defRPr b="0" sz="900">
-                <a:solidFill>
-                  <a:srgbClr val="3F6E74"/>
-                </a:solidFill>
-                <a:latin typeface="Menlo"/>
-                <a:ea typeface="Menlo"/>
-                <a:cs typeface="Menlo"/>
-                <a:sym typeface="Menlo"/>
+              <a:defRPr b="0" sz="1100">
+                <a:solidFill>
+                  <a:srgbClr val="5C2699"/>
+                </a:solidFill>
+                <a:latin typeface="Arial"/>
+                <a:ea typeface="Arial"/>
+                <a:cs typeface="Arial"/>
+                <a:sym typeface="Arial"/>
               </a:defRPr>
             </a:pPr>
             <a:r>
@@ -35991,8 +35931,8 @@
         </p:nvSpPr>
         <p:spPr>
           <a:xfrm>
-            <a:off x="660668" y="2696376"/>
-            <a:ext cx="1387114" cy="383541"/>
+            <a:off x="639363" y="2803314"/>
+            <a:ext cx="1319278" cy="509666"/>
           </a:xfrm>
           <a:prstGeom prst="rect">
             <a:avLst/>
@@ -36012,9 +35952,9 @@
           </a:bodyPr>
           <a:lstStyle/>
           <a:p>
-            <a:pPr marL="457200" indent="-317500" defTabSz="457200">
+            <a:pPr marL="527755" indent="-388055" defTabSz="457200">
               <a:lnSpc>
-                <a:spcPts val="2300"/>
+                <a:spcPts val="1700"/>
               </a:lnSpc>
               <a:spcBef>
                 <a:spcPts val="0"/>
@@ -36025,14 +35965,14 @@
               <a:buSzPct val="100000"/>
               <a:buFont typeface="Menlo"/>
               <a:buChar char="•"/>
-              <a:defRPr b="0" sz="900">
-                <a:solidFill>
-                  <a:srgbClr val="3F6E74"/>
-                </a:solidFill>
-                <a:latin typeface="Menlo"/>
-                <a:ea typeface="Menlo"/>
-                <a:cs typeface="Menlo"/>
-                <a:sym typeface="Menlo"/>
+              <a:defRPr b="0" sz="1100">
+                <a:solidFill>
+                  <a:srgbClr val="5C2699"/>
+                </a:solidFill>
+                <a:latin typeface="Arial"/>
+                <a:ea typeface="Arial"/>
+                <a:cs typeface="Arial"/>
+                <a:sym typeface="Arial"/>
               </a:defRPr>
             </a:pPr>
             <a:r>
@@ -36061,9 +36001,9 @@
             </a:endParaRPr>
           </a:p>
           <a:p>
-            <a:pPr marL="457200" indent="-317500" defTabSz="457200">
+            <a:pPr marL="527755" indent="-388055" defTabSz="457200">
               <a:lnSpc>
-                <a:spcPts val="2300"/>
+                <a:spcPts val="1700"/>
               </a:lnSpc>
               <a:spcBef>
                 <a:spcPts val="0"/>
@@ -36074,14 +36014,14 @@
               <a:buSzPct val="100000"/>
               <a:buFont typeface="Menlo"/>
               <a:buChar char="•"/>
-              <a:defRPr b="0" sz="900">
-                <a:solidFill>
-                  <a:srgbClr val="3F6E74"/>
-                </a:solidFill>
-                <a:latin typeface="Menlo"/>
-                <a:ea typeface="Menlo"/>
-                <a:cs typeface="Menlo"/>
-                <a:sym typeface="Menlo"/>
+              <a:defRPr b="0" sz="1100">
+                <a:solidFill>
+                  <a:srgbClr val="5C2699"/>
+                </a:solidFill>
+                <a:latin typeface="Arial"/>
+                <a:ea typeface="Arial"/>
+                <a:cs typeface="Arial"/>
+                <a:sym typeface="Arial"/>
               </a:defRPr>
             </a:pPr>
             <a:r>
@@ -36250,7 +36190,7 @@
         <p:spPr>
           <a:xfrm>
             <a:off x="656407" y="1124739"/>
-            <a:ext cx="5034278" cy="2364741"/>
+            <a:ext cx="4163210" cy="3100465"/>
           </a:xfrm>
           <a:prstGeom prst="rect">
             <a:avLst/>
@@ -36270,9 +36210,9 @@
           </a:bodyPr>
           <a:lstStyle/>
           <a:p>
-            <a:pPr marL="457200" indent="-317500" defTabSz="457200">
+            <a:pPr marL="527755" indent="-388055" defTabSz="457200">
               <a:lnSpc>
-                <a:spcPts val="2300"/>
+                <a:spcPts val="1700"/>
               </a:lnSpc>
               <a:spcBef>
                 <a:spcPts val="0"/>
@@ -36283,14 +36223,14 @@
               <a:buSzPct val="100000"/>
               <a:buFont typeface="Menlo"/>
               <a:buChar char="•"/>
-              <a:defRPr b="0" sz="900">
-                <a:solidFill>
-                  <a:srgbClr val="AA0D91"/>
-                </a:solidFill>
-                <a:latin typeface="Menlo"/>
-                <a:ea typeface="Menlo"/>
-                <a:cs typeface="Menlo"/>
-                <a:sym typeface="Menlo"/>
+              <a:defRPr b="0" sz="1100">
+                <a:solidFill>
+                  <a:srgbClr val="5C2699"/>
+                </a:solidFill>
+                <a:latin typeface="Arial"/>
+                <a:ea typeface="Arial"/>
+                <a:cs typeface="Arial"/>
+                <a:sym typeface="Arial"/>
               </a:defRPr>
             </a:pPr>
             <a:r>
@@ -36327,9 +36267,9 @@
             </a:endParaRPr>
           </a:p>
           <a:p>
-            <a:pPr marL="457200" indent="-317500" defTabSz="457200">
+            <a:pPr marL="527755" indent="-388055" defTabSz="457200">
               <a:lnSpc>
-                <a:spcPts val="2300"/>
+                <a:spcPts val="1700"/>
               </a:lnSpc>
               <a:spcBef>
                 <a:spcPts val="0"/>
@@ -36340,14 +36280,14 @@
               <a:buSzPct val="100000"/>
               <a:buFont typeface="Menlo"/>
               <a:buChar char="•"/>
-              <a:defRPr b="0" sz="900">
-                <a:solidFill>
-                  <a:srgbClr val="333333"/>
-                </a:solidFill>
-                <a:latin typeface="Menlo"/>
-                <a:ea typeface="Menlo"/>
-                <a:cs typeface="Menlo"/>
-                <a:sym typeface="Menlo"/>
+              <a:defRPr b="0" sz="1100">
+                <a:solidFill>
+                  <a:srgbClr val="5C2699"/>
+                </a:solidFill>
+                <a:latin typeface="Arial"/>
+                <a:ea typeface="Arial"/>
+                <a:cs typeface="Arial"/>
+                <a:sym typeface="Arial"/>
               </a:defRPr>
             </a:pPr>
             <a:r>
@@ -36376,18 +36316,13 @@
               <a:t>: </a:t>
             </a:r>
             <a:r>
-              <a:rPr>
-                <a:solidFill>
-                  <a:srgbClr val="5C2699"/>
-                </a:solidFill>
-              </a:rPr>
               <a:t>String</a:t>
             </a:r>
           </a:p>
           <a:p>
-            <a:pPr marL="457200" indent="-317500" defTabSz="457200">
+            <a:pPr marL="527755" indent="-388055" defTabSz="457200">
               <a:lnSpc>
-                <a:spcPts val="2300"/>
+                <a:spcPts val="1700"/>
               </a:lnSpc>
               <a:spcBef>
                 <a:spcPts val="0"/>
@@ -36398,14 +36333,14 @@
               <a:buSzPct val="100000"/>
               <a:buFont typeface="Menlo"/>
               <a:buChar char="•"/>
-              <a:defRPr b="0" sz="900">
-                <a:solidFill>
-                  <a:srgbClr val="333333"/>
-                </a:solidFill>
-                <a:latin typeface="Menlo"/>
-                <a:ea typeface="Menlo"/>
-                <a:cs typeface="Menlo"/>
-                <a:sym typeface="Menlo"/>
+              <a:defRPr b="0" sz="1100">
+                <a:solidFill>
+                  <a:srgbClr val="5C2699"/>
+                </a:solidFill>
+                <a:latin typeface="Arial"/>
+                <a:ea typeface="Arial"/>
+                <a:cs typeface="Arial"/>
+                <a:sym typeface="Arial"/>
               </a:defRPr>
             </a:pPr>
             <a:r>
@@ -36434,11 +36369,6 @@
               <a:t>: </a:t>
             </a:r>
             <a:r>
-              <a:rPr>
-                <a:solidFill>
-                  <a:srgbClr val="5C2699"/>
-                </a:solidFill>
-              </a:rPr>
               <a:t>String</a:t>
             </a:r>
             <a:r>
@@ -36479,9 +36409,9 @@
             </a:r>
           </a:p>
           <a:p>
-            <a:pPr marL="457200" indent="-317500" defTabSz="457200">
+            <a:pPr marL="527755" indent="-388055" defTabSz="457200">
               <a:lnSpc>
-                <a:spcPts val="2300"/>
+                <a:spcPts val="1700"/>
               </a:lnSpc>
               <a:spcBef>
                 <a:spcPts val="0"/>
@@ -36492,14 +36422,14 @@
               <a:buSzPct val="100000"/>
               <a:buFont typeface="Menlo"/>
               <a:buChar char="•"/>
-              <a:defRPr b="0" sz="900">
-                <a:solidFill>
-                  <a:srgbClr val="3F6E74"/>
-                </a:solidFill>
-                <a:latin typeface="Menlo"/>
-                <a:ea typeface="Menlo"/>
-                <a:cs typeface="Menlo"/>
-                <a:sym typeface="Menlo"/>
+              <a:defRPr b="0" sz="1100">
+                <a:solidFill>
+                  <a:srgbClr val="5C2699"/>
+                </a:solidFill>
+                <a:latin typeface="Arial"/>
+                <a:ea typeface="Arial"/>
+                <a:cs typeface="Arial"/>
+                <a:sym typeface="Arial"/>
               </a:defRPr>
             </a:pPr>
             <a:r>
@@ -36538,11 +36468,6 @@
               <a:t>: </a:t>
             </a:r>
             <a:r>
-              <a:rPr>
-                <a:solidFill>
-                  <a:srgbClr val="5C2699"/>
-                </a:solidFill>
-              </a:rPr>
               <a:t>Apartment</a:t>
             </a:r>
             <a:r>
@@ -36560,9 +36485,9 @@
             </a:endParaRPr>
           </a:p>
           <a:p>
-            <a:pPr marL="457200" indent="-317500" defTabSz="457200">
+            <a:pPr marL="527755" indent="-388055" defTabSz="457200">
               <a:lnSpc>
-                <a:spcPts val="2300"/>
+                <a:spcPts val="1700"/>
               </a:lnSpc>
               <a:spcBef>
                 <a:spcPts val="0"/>
@@ -36573,14 +36498,14 @@
               <a:buSzPct val="100000"/>
               <a:buFont typeface="Menlo"/>
               <a:buChar char="•"/>
-              <a:defRPr b="0" sz="900">
-                <a:solidFill>
-                  <a:srgbClr val="C41A16"/>
-                </a:solidFill>
-                <a:latin typeface="Menlo"/>
-                <a:ea typeface="Menlo"/>
-                <a:cs typeface="Menlo"/>
-                <a:sym typeface="Menlo"/>
+              <a:defRPr b="0" sz="1100">
+                <a:solidFill>
+                  <a:srgbClr val="5C2699"/>
+                </a:solidFill>
+                <a:latin typeface="Arial"/>
+                <a:ea typeface="Arial"/>
+                <a:cs typeface="Arial"/>
+                <a:sym typeface="Arial"/>
               </a:defRPr>
             </a:pPr>
             <a:r>
@@ -36668,9 +36593,9 @@
             </a:endParaRPr>
           </a:p>
           <a:p>
-            <a:pPr marL="457200" indent="-317500" defTabSz="457200">
+            <a:pPr marL="527755" indent="-388055" defTabSz="457200">
               <a:lnSpc>
-                <a:spcPts val="2300"/>
+                <a:spcPts val="1700"/>
               </a:lnSpc>
               <a:spcBef>
                 <a:spcPts val="0"/>
@@ -36681,14 +36606,14 @@
               <a:buSzPct val="100000"/>
               <a:buFont typeface="Menlo"/>
               <a:buChar char="•"/>
-              <a:defRPr b="0" sz="900">
-                <a:solidFill>
-                  <a:srgbClr val="333333"/>
-                </a:solidFill>
-                <a:latin typeface="Menlo"/>
-                <a:ea typeface="Menlo"/>
-                <a:cs typeface="Menlo"/>
-                <a:sym typeface="Menlo"/>
+              <a:defRPr b="0" sz="1100">
+                <a:solidFill>
+                  <a:srgbClr val="5C2699"/>
+                </a:solidFill>
+                <a:latin typeface="Arial"/>
+                <a:ea typeface="Arial"/>
+                <a:cs typeface="Arial"/>
+                <a:sym typeface="Arial"/>
               </a:defRPr>
             </a:pPr>
             <a:r>
@@ -36696,9 +36621,9 @@
             </a:r>
           </a:p>
           <a:p>
-            <a:pPr marL="457200" indent="-317500" defTabSz="457200">
+            <a:pPr marL="527755" indent="-388055" defTabSz="457200">
               <a:lnSpc>
-                <a:spcPts val="2300"/>
+                <a:spcPts val="1700"/>
               </a:lnSpc>
               <a:spcBef>
                 <a:spcPts val="0"/>
@@ -36709,21 +36634,21 @@
               <a:buSzPct val="100000"/>
               <a:buFont typeface="Menlo"/>
               <a:buChar char="•"/>
-              <a:defRPr b="0" sz="900">
-                <a:solidFill>
-                  <a:srgbClr val="333333"/>
-                </a:solidFill>
-                <a:latin typeface="Menlo"/>
-                <a:ea typeface="Menlo"/>
-                <a:cs typeface="Menlo"/>
-                <a:sym typeface="Menlo"/>
+              <a:defRPr b="0" sz="1100">
+                <a:solidFill>
+                  <a:srgbClr val="5C2699"/>
+                </a:solidFill>
+                <a:latin typeface="Arial"/>
+                <a:ea typeface="Arial"/>
+                <a:cs typeface="Arial"/>
+                <a:sym typeface="Arial"/>
               </a:defRPr>
             </a:pPr>
           </a:p>
           <a:p>
-            <a:pPr marL="457200" indent="-317500" defTabSz="457200">
+            <a:pPr marL="527755" indent="-388055" defTabSz="457200">
               <a:lnSpc>
-                <a:spcPts val="2300"/>
+                <a:spcPts val="1700"/>
               </a:lnSpc>
               <a:spcBef>
                 <a:spcPts val="0"/>
@@ -36734,14 +36659,14 @@
               <a:buSzPct val="100000"/>
               <a:buFont typeface="Menlo"/>
               <a:buChar char="•"/>
-              <a:defRPr b="0" sz="900">
-                <a:solidFill>
-                  <a:srgbClr val="3F6E74"/>
-                </a:solidFill>
-                <a:latin typeface="Menlo"/>
-                <a:ea typeface="Menlo"/>
-                <a:cs typeface="Menlo"/>
-                <a:sym typeface="Menlo"/>
+              <a:defRPr b="0" sz="1100">
+                <a:solidFill>
+                  <a:srgbClr val="5C2699"/>
+                </a:solidFill>
+                <a:latin typeface="Arial"/>
+                <a:ea typeface="Arial"/>
+                <a:cs typeface="Arial"/>
+                <a:sym typeface="Arial"/>
               </a:defRPr>
             </a:pPr>
             <a:r>
@@ -36778,9 +36703,9 @@
             </a:endParaRPr>
           </a:p>
           <a:p>
-            <a:pPr marL="457200" indent="-317500" defTabSz="457200">
+            <a:pPr marL="527755" indent="-388055" defTabSz="457200">
               <a:lnSpc>
-                <a:spcPts val="2300"/>
+                <a:spcPts val="1700"/>
               </a:lnSpc>
               <a:spcBef>
                 <a:spcPts val="0"/>
@@ -36791,14 +36716,14 @@
               <a:buSzPct val="100000"/>
               <a:buFont typeface="Menlo"/>
               <a:buChar char="•"/>
-              <a:defRPr b="0" sz="900">
-                <a:solidFill>
-                  <a:srgbClr val="333333"/>
-                </a:solidFill>
-                <a:latin typeface="Menlo"/>
-                <a:ea typeface="Menlo"/>
-                <a:cs typeface="Menlo"/>
-                <a:sym typeface="Menlo"/>
+              <a:defRPr b="0" sz="1100">
+                <a:solidFill>
+                  <a:srgbClr val="5C2699"/>
+                </a:solidFill>
+                <a:latin typeface="Arial"/>
+                <a:ea typeface="Arial"/>
+                <a:cs typeface="Arial"/>
+                <a:sym typeface="Arial"/>
               </a:defRPr>
             </a:pPr>
             <a:r>
@@ -36827,18 +36752,13 @@
               <a:t>: </a:t>
             </a:r>
             <a:r>
-              <a:rPr>
-                <a:solidFill>
-                  <a:srgbClr val="5C2699"/>
-                </a:solidFill>
-              </a:rPr>
               <a:t>String</a:t>
             </a:r>
           </a:p>
           <a:p>
-            <a:pPr marL="457200" indent="-317500" defTabSz="457200">
+            <a:pPr marL="527755" indent="-388055" defTabSz="457200">
               <a:lnSpc>
-                <a:spcPts val="2300"/>
+                <a:spcPts val="1700"/>
               </a:lnSpc>
               <a:spcBef>
                 <a:spcPts val="0"/>
@@ -36849,14 +36769,14 @@
               <a:buSzPct val="100000"/>
               <a:buFont typeface="Menlo"/>
               <a:buChar char="•"/>
-              <a:defRPr b="0" sz="900">
-                <a:solidFill>
-                  <a:srgbClr val="333333"/>
-                </a:solidFill>
-                <a:latin typeface="Menlo"/>
-                <a:ea typeface="Menlo"/>
-                <a:cs typeface="Menlo"/>
-                <a:sym typeface="Menlo"/>
+              <a:defRPr b="0" sz="1100">
+                <a:solidFill>
+                  <a:srgbClr val="5C2699"/>
+                </a:solidFill>
+                <a:latin typeface="Arial"/>
+                <a:ea typeface="Arial"/>
+                <a:cs typeface="Arial"/>
+                <a:sym typeface="Arial"/>
               </a:defRPr>
             </a:pPr>
             <a:r>
@@ -36885,11 +36805,6 @@
               <a:t>: </a:t>
             </a:r>
             <a:r>
-              <a:rPr>
-                <a:solidFill>
-                  <a:srgbClr val="5C2699"/>
-                </a:solidFill>
-              </a:rPr>
               <a:t>String</a:t>
             </a:r>
             <a:r>
@@ -36930,9 +36845,9 @@
             </a:r>
           </a:p>
           <a:p>
-            <a:pPr marL="457200" indent="-317500" defTabSz="457200">
+            <a:pPr marL="527755" indent="-388055" defTabSz="457200">
               <a:lnSpc>
-                <a:spcPts val="2300"/>
+                <a:spcPts val="1700"/>
               </a:lnSpc>
               <a:spcBef>
                 <a:spcPts val="0"/>
@@ -36943,14 +36858,14 @@
               <a:buSzPct val="100000"/>
               <a:buFont typeface="Menlo"/>
               <a:buChar char="•"/>
-              <a:defRPr b="0" sz="900">
-                <a:solidFill>
-                  <a:srgbClr val="333333"/>
-                </a:solidFill>
-                <a:latin typeface="Menlo"/>
-                <a:ea typeface="Menlo"/>
-                <a:cs typeface="Menlo"/>
-                <a:sym typeface="Menlo"/>
+              <a:defRPr b="0" sz="1100">
+                <a:solidFill>
+                  <a:srgbClr val="5C2699"/>
+                </a:solidFill>
+                <a:latin typeface="Arial"/>
+                <a:ea typeface="Arial"/>
+                <a:cs typeface="Arial"/>
+                <a:sym typeface="Arial"/>
               </a:defRPr>
             </a:pPr>
             <a:r>
@@ -36990,11 +36905,6 @@
               <a:t>: </a:t>
             </a:r>
             <a:r>
-              <a:rPr>
-                <a:solidFill>
-                  <a:srgbClr val="5C2699"/>
-                </a:solidFill>
-              </a:rPr>
               <a:t>Person</a:t>
             </a:r>
             <a:r>
@@ -37002,9 +36912,9 @@
             </a:r>
           </a:p>
           <a:p>
-            <a:pPr marL="457200" indent="-317500" defTabSz="457200">
+            <a:pPr marL="527755" indent="-388055" defTabSz="457200">
               <a:lnSpc>
-                <a:spcPts val="2300"/>
+                <a:spcPts val="1700"/>
               </a:lnSpc>
               <a:spcBef>
                 <a:spcPts val="0"/>
@@ -37015,14 +36925,14 @@
               <a:buSzPct val="100000"/>
               <a:buFont typeface="Menlo"/>
               <a:buChar char="•"/>
-              <a:defRPr b="0" sz="900">
-                <a:solidFill>
-                  <a:srgbClr val="C41A16"/>
-                </a:solidFill>
-                <a:latin typeface="Menlo"/>
-                <a:ea typeface="Menlo"/>
-                <a:cs typeface="Menlo"/>
-                <a:sym typeface="Menlo"/>
+              <a:defRPr b="0" sz="1100">
+                <a:solidFill>
+                  <a:srgbClr val="5C2699"/>
+                </a:solidFill>
+                <a:latin typeface="Arial"/>
+                <a:ea typeface="Arial"/>
+                <a:cs typeface="Arial"/>
+                <a:sym typeface="Arial"/>
               </a:defRPr>
             </a:pPr>
             <a:r>
@@ -37110,9 +37020,9 @@
             </a:endParaRPr>
           </a:p>
           <a:p>
-            <a:pPr marL="457200" indent="-317500" defTabSz="457200">
+            <a:pPr marL="527755" indent="-388055" defTabSz="457200">
               <a:lnSpc>
-                <a:spcPts val="2300"/>
+                <a:spcPts val="1700"/>
               </a:lnSpc>
               <a:spcBef>
                 <a:spcPts val="0"/>
@@ -37123,14 +37033,14 @@
               <a:buSzPct val="100000"/>
               <a:buFont typeface="Menlo"/>
               <a:buChar char="•"/>
-              <a:defRPr b="0" sz="900">
-                <a:solidFill>
-                  <a:srgbClr val="333333"/>
-                </a:solidFill>
-                <a:latin typeface="Menlo"/>
-                <a:ea typeface="Menlo"/>
-                <a:cs typeface="Menlo"/>
-                <a:sym typeface="Menlo"/>
+              <a:defRPr b="0" sz="1100">
+                <a:solidFill>
+                  <a:srgbClr val="5C2699"/>
+                </a:solidFill>
+                <a:latin typeface="Arial"/>
+                <a:ea typeface="Arial"/>
+                <a:cs typeface="Arial"/>
+                <a:sym typeface="Arial"/>
               </a:defRPr>
             </a:pPr>
             <a:r>
@@ -37283,7 +37193,7 @@
         <p:spPr>
           <a:xfrm>
             <a:off x="656407" y="1124739"/>
-            <a:ext cx="3176289" cy="1374141"/>
+            <a:ext cx="3150249" cy="1805065"/>
           </a:xfrm>
           <a:prstGeom prst="rect">
             <a:avLst/>
@@ -37303,9 +37213,9 @@
           </a:bodyPr>
           <a:lstStyle/>
           <a:p>
-            <a:pPr marL="457200" indent="-317500" defTabSz="457200">
+            <a:pPr marL="527755" indent="-388055" defTabSz="457200">
               <a:lnSpc>
-                <a:spcPts val="2300"/>
+                <a:spcPts val="1700"/>
               </a:lnSpc>
               <a:spcBef>
                 <a:spcPts val="0"/>
@@ -37316,14 +37226,14 @@
               <a:buSzPct val="100000"/>
               <a:buFont typeface="Menlo"/>
               <a:buChar char="•"/>
-              <a:defRPr b="0" sz="900">
-                <a:solidFill>
-                  <a:srgbClr val="AA0D91"/>
-                </a:solidFill>
-                <a:latin typeface="Menlo"/>
-                <a:ea typeface="Menlo"/>
-                <a:cs typeface="Menlo"/>
-                <a:sym typeface="Menlo"/>
+              <a:defRPr b="0" sz="1100">
+                <a:solidFill>
+                  <a:srgbClr val="5C2699"/>
+                </a:solidFill>
+                <a:latin typeface="Arial"/>
+                <a:ea typeface="Arial"/>
+                <a:cs typeface="Arial"/>
+                <a:sym typeface="Arial"/>
               </a:defRPr>
             </a:pPr>
             <a:r>
@@ -37354,11 +37264,6 @@
               <a:t>: </a:t>
             </a:r>
             <a:r>
-              <a:rPr>
-                <a:solidFill>
-                  <a:srgbClr val="5C2699"/>
-                </a:solidFill>
-              </a:rPr>
               <a:t>Person</a:t>
             </a:r>
             <a:r>
@@ -37376,9 +37281,9 @@
             </a:endParaRPr>
           </a:p>
           <a:p>
-            <a:pPr marL="457200" indent="-317500" defTabSz="457200">
+            <a:pPr marL="527755" indent="-388055" defTabSz="457200">
               <a:lnSpc>
-                <a:spcPts val="2300"/>
+                <a:spcPts val="1700"/>
               </a:lnSpc>
               <a:spcBef>
                 <a:spcPts val="0"/>
@@ -37389,14 +37294,14 @@
               <a:buSzPct val="100000"/>
               <a:buFont typeface="Menlo"/>
               <a:buChar char="•"/>
-              <a:defRPr b="0" sz="900">
+              <a:defRPr b="0" sz="1100">
                 <a:solidFill>
                   <a:srgbClr val="5C2699"/>
                 </a:solidFill>
-                <a:latin typeface="Menlo"/>
-                <a:ea typeface="Menlo"/>
-                <a:cs typeface="Menlo"/>
-                <a:sym typeface="Menlo"/>
+                <a:latin typeface="Arial"/>
+                <a:ea typeface="Arial"/>
+                <a:cs typeface="Arial"/>
+                <a:sym typeface="Arial"/>
               </a:defRPr>
             </a:pPr>
             <a:r>
@@ -37449,9 +37354,9 @@
             </a:endParaRPr>
           </a:p>
           <a:p>
-            <a:pPr marL="457200" indent="-317500" defTabSz="457200">
+            <a:pPr marL="527755" indent="-388055" defTabSz="457200">
               <a:lnSpc>
-                <a:spcPts val="2300"/>
+                <a:spcPts val="1700"/>
               </a:lnSpc>
               <a:spcBef>
                 <a:spcPts val="0"/>
@@ -37462,21 +37367,21 @@
               <a:buSzPct val="100000"/>
               <a:buFont typeface="Menlo"/>
               <a:buChar char="•"/>
-              <a:defRPr b="0" sz="900">
-                <a:solidFill>
-                  <a:srgbClr val="333333"/>
-                </a:solidFill>
-                <a:latin typeface="Menlo"/>
-                <a:ea typeface="Menlo"/>
-                <a:cs typeface="Menlo"/>
-                <a:sym typeface="Menlo"/>
+              <a:defRPr b="0" sz="1100">
+                <a:solidFill>
+                  <a:srgbClr val="5C2699"/>
+                </a:solidFill>
+                <a:latin typeface="Arial"/>
+                <a:ea typeface="Arial"/>
+                <a:cs typeface="Arial"/>
+                <a:sym typeface="Arial"/>
               </a:defRPr>
             </a:pPr>
           </a:p>
           <a:p>
-            <a:pPr marL="457200" indent="-317500" defTabSz="457200">
+            <a:pPr marL="527755" indent="-388055" defTabSz="457200">
               <a:lnSpc>
-                <a:spcPts val="2300"/>
+                <a:spcPts val="1700"/>
               </a:lnSpc>
               <a:spcBef>
                 <a:spcPts val="0"/>
@@ -37487,14 +37392,14 @@
               <a:buSzPct val="100000"/>
               <a:buFont typeface="Menlo"/>
               <a:buChar char="•"/>
-              <a:defRPr b="0" sz="900">
-                <a:solidFill>
-                  <a:srgbClr val="C41A16"/>
-                </a:solidFill>
-                <a:latin typeface="Menlo"/>
-                <a:ea typeface="Menlo"/>
-                <a:cs typeface="Menlo"/>
-                <a:sym typeface="Menlo"/>
+              <a:defRPr b="0" sz="1100">
+                <a:solidFill>
+                  <a:srgbClr val="5C2699"/>
+                </a:solidFill>
+                <a:latin typeface="Arial"/>
+                <a:ea typeface="Arial"/>
+                <a:cs typeface="Arial"/>
+                <a:sym typeface="Arial"/>
               </a:defRPr>
             </a:pPr>
             <a:r>
@@ -37563,9 +37468,9 @@
             </a:endParaRPr>
           </a:p>
           <a:p>
-            <a:pPr marL="457200" indent="-317500" defTabSz="457200">
+            <a:pPr marL="527755" indent="-388055" defTabSz="457200">
               <a:lnSpc>
-                <a:spcPts val="2300"/>
+                <a:spcPts val="1700"/>
               </a:lnSpc>
               <a:spcBef>
                 <a:spcPts val="0"/>
@@ -37576,14 +37481,14 @@
               <a:buSzPct val="100000"/>
               <a:buFont typeface="Menlo"/>
               <a:buChar char="•"/>
-              <a:defRPr b="0" sz="900">
-                <a:solidFill>
-                  <a:srgbClr val="3F6E74"/>
-                </a:solidFill>
-                <a:latin typeface="Menlo"/>
-                <a:ea typeface="Menlo"/>
-                <a:cs typeface="Menlo"/>
-                <a:sym typeface="Menlo"/>
+              <a:defRPr b="0" sz="1100">
+                <a:solidFill>
+                  <a:srgbClr val="5C2699"/>
+                </a:solidFill>
+                <a:latin typeface="Arial"/>
+                <a:ea typeface="Arial"/>
+                <a:cs typeface="Arial"/>
+                <a:sym typeface="Arial"/>
               </a:defRPr>
             </a:pPr>
             <a:r>
@@ -37642,9 +37547,9 @@
             </a:endParaRPr>
           </a:p>
           <a:p>
-            <a:pPr marL="457200" indent="-317500" defTabSz="457200">
+            <a:pPr marL="527755" indent="-388055" defTabSz="457200">
               <a:lnSpc>
-                <a:spcPts val="2300"/>
+                <a:spcPts val="1700"/>
               </a:lnSpc>
               <a:spcBef>
                 <a:spcPts val="0"/>
@@ -37655,21 +37560,21 @@
               <a:buSzPct val="100000"/>
               <a:buFont typeface="Menlo"/>
               <a:buChar char="•"/>
-              <a:defRPr b="0" sz="900">
-                <a:solidFill>
-                  <a:srgbClr val="333333"/>
-                </a:solidFill>
-                <a:latin typeface="Menlo"/>
-                <a:ea typeface="Menlo"/>
-                <a:cs typeface="Menlo"/>
-                <a:sym typeface="Menlo"/>
+              <a:defRPr b="0" sz="1100">
+                <a:solidFill>
+                  <a:srgbClr val="5C2699"/>
+                </a:solidFill>
+                <a:latin typeface="Arial"/>
+                <a:ea typeface="Arial"/>
+                <a:cs typeface="Arial"/>
+                <a:sym typeface="Arial"/>
               </a:defRPr>
             </a:pPr>
           </a:p>
           <a:p>
-            <a:pPr marL="457200" indent="-317500" defTabSz="457200">
+            <a:pPr marL="527755" indent="-388055" defTabSz="457200">
               <a:lnSpc>
-                <a:spcPts val="2300"/>
+                <a:spcPts val="1700"/>
               </a:lnSpc>
               <a:spcBef>
                 <a:spcPts val="0"/>
@@ -37680,14 +37585,14 @@
               <a:buSzPct val="100000"/>
               <a:buFont typeface="Menlo"/>
               <a:buChar char="•"/>
-              <a:defRPr b="0" sz="900">
-                <a:solidFill>
-                  <a:srgbClr val="3F6E74"/>
-                </a:solidFill>
-                <a:latin typeface="Menlo"/>
-                <a:ea typeface="Menlo"/>
-                <a:cs typeface="Menlo"/>
-                <a:sym typeface="Menlo"/>
+              <a:defRPr b="0" sz="1100">
+                <a:solidFill>
+                  <a:srgbClr val="5C2699"/>
+                </a:solidFill>
+                <a:latin typeface="Arial"/>
+                <a:ea typeface="Arial"/>
+                <a:cs typeface="Arial"/>
+                <a:sym typeface="Arial"/>
               </a:defRPr>
             </a:pPr>
             <a:r>
@@ -37722,9 +37627,9 @@
             </a:endParaRPr>
           </a:p>
           <a:p>
-            <a:pPr marL="457200" indent="-317500" defTabSz="457200">
+            <a:pPr marL="527755" indent="-388055" defTabSz="457200">
               <a:lnSpc>
-                <a:spcPts val="2300"/>
+                <a:spcPts val="1700"/>
               </a:lnSpc>
               <a:spcBef>
                 <a:spcPts val="0"/>
@@ -37735,14 +37640,14 @@
               <a:buSzPct val="100000"/>
               <a:buFont typeface="Menlo"/>
               <a:buChar char="•"/>
-              <a:defRPr b="0" sz="900">
-                <a:solidFill>
-                  <a:srgbClr val="3F6E74"/>
-                </a:solidFill>
-                <a:latin typeface="Menlo"/>
-                <a:ea typeface="Menlo"/>
-                <a:cs typeface="Menlo"/>
-                <a:sym typeface="Menlo"/>
+              <a:defRPr b="0" sz="1100">
+                <a:solidFill>
+                  <a:srgbClr val="5C2699"/>
+                </a:solidFill>
+                <a:latin typeface="Arial"/>
+                <a:ea typeface="Arial"/>
+                <a:cs typeface="Arial"/>
+                <a:sym typeface="Arial"/>
               </a:defRPr>
             </a:pPr>
             <a:r>
@@ -37781,8 +37686,8 @@
         </p:nvSpPr>
         <p:spPr>
           <a:xfrm>
-            <a:off x="639363" y="2837641"/>
-            <a:ext cx="3933247" cy="383541"/>
+            <a:off x="673451" y="3078397"/>
+            <a:ext cx="3526852" cy="509666"/>
           </a:xfrm>
           <a:prstGeom prst="rect">
             <a:avLst/>
@@ -37802,9 +37707,9 @@
           </a:bodyPr>
           <a:lstStyle/>
           <a:p>
-            <a:pPr marL="457200" indent="-317500" defTabSz="457200">
+            <a:pPr marL="527755" indent="-388055" defTabSz="457200">
               <a:lnSpc>
-                <a:spcPts val="2300"/>
+                <a:spcPts val="1700"/>
               </a:lnSpc>
               <a:spcBef>
                 <a:spcPts val="0"/>
@@ -37815,14 +37720,14 @@
               <a:buSzPct val="100000"/>
               <a:buFont typeface="Menlo"/>
               <a:buChar char="•"/>
-              <a:defRPr b="0" sz="900">
-                <a:solidFill>
-                  <a:srgbClr val="3F6E74"/>
-                </a:solidFill>
-                <a:latin typeface="Menlo"/>
-                <a:ea typeface="Menlo"/>
-                <a:cs typeface="Menlo"/>
-                <a:sym typeface="Menlo"/>
+              <a:defRPr b="0" sz="1100">
+                <a:solidFill>
+                  <a:srgbClr val="5C2699"/>
+                </a:solidFill>
+                <a:latin typeface="Arial"/>
+                <a:ea typeface="Arial"/>
+                <a:cs typeface="Arial"/>
+                <a:sym typeface="Arial"/>
               </a:defRPr>
             </a:pPr>
             <a:r>
@@ -37851,9 +37756,9 @@
             </a:endParaRPr>
           </a:p>
           <a:p>
-            <a:pPr marL="457200" indent="-317500" defTabSz="457200">
+            <a:pPr marL="527755" indent="-388055" defTabSz="457200">
               <a:lnSpc>
-                <a:spcPts val="2300"/>
+                <a:spcPts val="1700"/>
               </a:lnSpc>
               <a:spcBef>
                 <a:spcPts val="0"/>
@@ -37864,14 +37769,14 @@
               <a:buSzPct val="100000"/>
               <a:buFont typeface="Menlo"/>
               <a:buChar char="•"/>
-              <a:defRPr b="0" sz="900">
-                <a:solidFill>
-                  <a:srgbClr val="007400"/>
-                </a:solidFill>
-                <a:latin typeface="Menlo"/>
-                <a:ea typeface="Menlo"/>
-                <a:cs typeface="Menlo"/>
-                <a:sym typeface="Menlo"/>
+              <a:defRPr b="0" sz="1100">
+                <a:solidFill>
+                  <a:srgbClr val="5C2699"/>
+                </a:solidFill>
+                <a:latin typeface="Arial"/>
+                <a:ea typeface="Arial"/>
+                <a:cs typeface="Arial"/>
+                <a:sym typeface="Arial"/>
               </a:defRPr>
             </a:pPr>
             <a:r>
@@ -37888,8 +37793,8 @@
         </p:nvSpPr>
         <p:spPr>
           <a:xfrm>
-            <a:off x="656407" y="3559943"/>
-            <a:ext cx="3795618" cy="383541"/>
+            <a:off x="681973" y="3845427"/>
+            <a:ext cx="3379034" cy="509665"/>
           </a:xfrm>
           <a:prstGeom prst="rect">
             <a:avLst/>
@@ -37909,9 +37814,9 @@
           </a:bodyPr>
           <a:lstStyle/>
           <a:p>
-            <a:pPr marL="457200" indent="-317500" defTabSz="457200">
+            <a:pPr marL="527755" indent="-388055" defTabSz="457200">
               <a:lnSpc>
-                <a:spcPts val="2300"/>
+                <a:spcPts val="1700"/>
               </a:lnSpc>
               <a:spcBef>
                 <a:spcPts val="0"/>
@@ -37922,14 +37827,14 @@
               <a:buSzPct val="100000"/>
               <a:buFont typeface="Menlo"/>
               <a:buChar char="•"/>
-              <a:defRPr b="0" sz="900">
-                <a:solidFill>
-                  <a:srgbClr val="3F6E74"/>
-                </a:solidFill>
-                <a:latin typeface="Menlo"/>
-                <a:ea typeface="Menlo"/>
-                <a:cs typeface="Menlo"/>
-                <a:sym typeface="Menlo"/>
+              <a:defRPr b="0" sz="1100">
+                <a:solidFill>
+                  <a:srgbClr val="5C2699"/>
+                </a:solidFill>
+                <a:latin typeface="Arial"/>
+                <a:ea typeface="Arial"/>
+                <a:cs typeface="Arial"/>
+                <a:sym typeface="Arial"/>
               </a:defRPr>
             </a:pPr>
             <a:r>
@@ -37958,9 +37863,9 @@
             </a:endParaRPr>
           </a:p>
           <a:p>
-            <a:pPr marL="457200" indent="-317500" defTabSz="457200">
+            <a:pPr marL="527755" indent="-388055" defTabSz="457200">
               <a:lnSpc>
-                <a:spcPts val="2300"/>
+                <a:spcPts val="1700"/>
               </a:lnSpc>
               <a:spcBef>
                 <a:spcPts val="0"/>
@@ -37971,14 +37876,14 @@
               <a:buSzPct val="100000"/>
               <a:buFont typeface="Menlo"/>
               <a:buChar char="•"/>
-              <a:defRPr b="0" sz="900">
-                <a:solidFill>
-                  <a:srgbClr val="007400"/>
-                </a:solidFill>
-                <a:latin typeface="Menlo"/>
-                <a:ea typeface="Menlo"/>
-                <a:cs typeface="Menlo"/>
-                <a:sym typeface="Menlo"/>
+              <a:defRPr b="0" sz="1100">
+                <a:solidFill>
+                  <a:srgbClr val="5C2699"/>
+                </a:solidFill>
+                <a:latin typeface="Arial"/>
+                <a:ea typeface="Arial"/>
+                <a:cs typeface="Arial"/>
+                <a:sym typeface="Arial"/>
               </a:defRPr>
             </a:pPr>
             <a:r>
@@ -38131,7 +38036,7 @@
         <p:spPr>
           <a:xfrm>
             <a:off x="643624" y="1111956"/>
-            <a:ext cx="4896649" cy="3190241"/>
+            <a:ext cx="3604137" cy="2020966"/>
           </a:xfrm>
           <a:prstGeom prst="rect">
             <a:avLst/>
@@ -38151,9 +38056,9 @@
           </a:bodyPr>
           <a:lstStyle/>
           <a:p>
-            <a:pPr marL="457200" indent="-317500" defTabSz="457200">
+            <a:pPr marL="527755" indent="-388055" defTabSz="457200">
               <a:lnSpc>
-                <a:spcPts val="2300"/>
+                <a:spcPts val="1700"/>
               </a:lnSpc>
               <a:spcBef>
                 <a:spcPts val="0"/>
@@ -38164,14 +38069,14 @@
               <a:buSzPct val="100000"/>
               <a:buFont typeface="Menlo"/>
               <a:buChar char="•"/>
-              <a:defRPr b="0" sz="900">
-                <a:solidFill>
-                  <a:srgbClr val="AA0D91"/>
-                </a:solidFill>
-                <a:latin typeface="Menlo"/>
-                <a:ea typeface="Menlo"/>
-                <a:cs typeface="Menlo"/>
-                <a:sym typeface="Menlo"/>
+              <a:defRPr b="0" sz="1100">
+                <a:solidFill>
+                  <a:srgbClr val="5C2699"/>
+                </a:solidFill>
+                <a:latin typeface="Arial"/>
+                <a:ea typeface="Arial"/>
+                <a:cs typeface="Arial"/>
+                <a:sym typeface="Arial"/>
               </a:defRPr>
             </a:pPr>
             <a:r>
@@ -38208,9 +38113,9 @@
             </a:endParaRPr>
           </a:p>
           <a:p>
-            <a:pPr marL="457200" indent="-317500" defTabSz="457200">
+            <a:pPr marL="527755" indent="-388055" defTabSz="457200">
               <a:lnSpc>
-                <a:spcPts val="2300"/>
+                <a:spcPts val="1700"/>
               </a:lnSpc>
               <a:spcBef>
                 <a:spcPts val="0"/>
@@ -38221,14 +38126,14 @@
               <a:buSzPct val="100000"/>
               <a:buFont typeface="Menlo"/>
               <a:buChar char="•"/>
-              <a:defRPr b="0" sz="900">
-                <a:solidFill>
-                  <a:srgbClr val="333333"/>
-                </a:solidFill>
-                <a:latin typeface="Menlo"/>
-                <a:ea typeface="Menlo"/>
-                <a:cs typeface="Menlo"/>
-                <a:sym typeface="Menlo"/>
+              <a:defRPr b="0" sz="1100">
+                <a:solidFill>
+                  <a:srgbClr val="5C2699"/>
+                </a:solidFill>
+                <a:latin typeface="Arial"/>
+                <a:ea typeface="Arial"/>
+                <a:cs typeface="Arial"/>
+                <a:sym typeface="Arial"/>
               </a:defRPr>
             </a:pPr>
             <a:r>
@@ -38257,18 +38162,13 @@
               <a:t>: </a:t>
             </a:r>
             <a:r>
-              <a:rPr>
-                <a:solidFill>
-                  <a:srgbClr val="5C2699"/>
-                </a:solidFill>
-              </a:rPr>
               <a:t>String</a:t>
             </a:r>
           </a:p>
           <a:p>
-            <a:pPr marL="457200" indent="-317500" defTabSz="457200">
+            <a:pPr marL="527755" indent="-388055" defTabSz="457200">
               <a:lnSpc>
-                <a:spcPts val="2300"/>
+                <a:spcPts val="1700"/>
               </a:lnSpc>
               <a:spcBef>
                 <a:spcPts val="0"/>
@@ -38279,14 +38179,14 @@
               <a:buSzPct val="100000"/>
               <a:buFont typeface="Menlo"/>
               <a:buChar char="•"/>
-              <a:defRPr b="0" sz="900">
+              <a:defRPr b="0" sz="1100">
                 <a:solidFill>
                   <a:srgbClr val="5C2699"/>
                 </a:solidFill>
-                <a:latin typeface="Menlo"/>
-                <a:ea typeface="Menlo"/>
-                <a:cs typeface="Menlo"/>
-                <a:sym typeface="Menlo"/>
+                <a:latin typeface="Arial"/>
+                <a:ea typeface="Arial"/>
+                <a:cs typeface="Arial"/>
+                <a:sym typeface="Arial"/>
               </a:defRPr>
             </a:pPr>
             <a:r>
@@ -38347,9 +38247,9 @@
             </a:endParaRPr>
           </a:p>
           <a:p>
-            <a:pPr marL="457200" indent="-317500" defTabSz="457200">
+            <a:pPr marL="527755" indent="-388055" defTabSz="457200">
               <a:lnSpc>
-                <a:spcPts val="2300"/>
+                <a:spcPts val="1700"/>
               </a:lnSpc>
               <a:spcBef>
                 <a:spcPts val="0"/>
@@ -38360,14 +38260,14 @@
               <a:buSzPct val="100000"/>
               <a:buFont typeface="Menlo"/>
               <a:buChar char="•"/>
-              <a:defRPr b="0" sz="900">
-                <a:solidFill>
-                  <a:srgbClr val="333333"/>
-                </a:solidFill>
-                <a:latin typeface="Menlo"/>
-                <a:ea typeface="Menlo"/>
-                <a:cs typeface="Menlo"/>
-                <a:sym typeface="Menlo"/>
+              <a:defRPr b="0" sz="1100">
+                <a:solidFill>
+                  <a:srgbClr val="5C2699"/>
+                </a:solidFill>
+                <a:latin typeface="Arial"/>
+                <a:ea typeface="Arial"/>
+                <a:cs typeface="Arial"/>
+                <a:sym typeface="Arial"/>
               </a:defRPr>
             </a:pPr>
             <a:r>
@@ -38396,11 +38296,6 @@
               <a:t>: </a:t>
             </a:r>
             <a:r>
-              <a:rPr>
-                <a:solidFill>
-                  <a:srgbClr val="5C2699"/>
-                </a:solidFill>
-              </a:rPr>
               <a:t>String</a:t>
             </a:r>
             <a:r>
@@ -38408,9 +38303,9 @@
             </a:r>
           </a:p>
           <a:p>
-            <a:pPr marL="457200" indent="-317500" defTabSz="457200">
+            <a:pPr marL="527755" indent="-388055" defTabSz="457200">
               <a:lnSpc>
-                <a:spcPts val="2300"/>
+                <a:spcPts val="1700"/>
               </a:lnSpc>
               <a:spcBef>
                 <a:spcPts val="0"/>
@@ -38421,14 +38316,14 @@
               <a:buSzPct val="100000"/>
               <a:buFont typeface="Menlo"/>
               <a:buChar char="•"/>
-              <a:defRPr b="0" sz="900">
-                <a:solidFill>
-                  <a:srgbClr val="333333"/>
-                </a:solidFill>
-                <a:latin typeface="Menlo"/>
-                <a:ea typeface="Menlo"/>
-                <a:cs typeface="Menlo"/>
-                <a:sym typeface="Menlo"/>
+              <a:defRPr b="0" sz="1100">
+                <a:solidFill>
+                  <a:srgbClr val="5C2699"/>
+                </a:solidFill>
+                <a:latin typeface="Arial"/>
+                <a:ea typeface="Arial"/>
+                <a:cs typeface="Arial"/>
+                <a:sym typeface="Arial"/>
               </a:defRPr>
             </a:pPr>
             <a:r>
@@ -38466,9 +38361,9 @@
             </a:r>
           </a:p>
           <a:p>
-            <a:pPr marL="457200" indent="-317500" defTabSz="457200">
+            <a:pPr marL="527755" indent="-388055" defTabSz="457200">
               <a:lnSpc>
-                <a:spcPts val="2300"/>
+                <a:spcPts val="1700"/>
               </a:lnSpc>
               <a:spcBef>
                 <a:spcPts val="0"/>
@@ -38479,14 +38374,14 @@
               <a:buSzPct val="100000"/>
               <a:buFont typeface="Menlo"/>
               <a:buChar char="•"/>
-              <a:defRPr b="0" sz="900">
-                <a:solidFill>
-                  <a:srgbClr val="333333"/>
-                </a:solidFill>
-                <a:latin typeface="Menlo"/>
-                <a:ea typeface="Menlo"/>
-                <a:cs typeface="Menlo"/>
-                <a:sym typeface="Menlo"/>
+              <a:defRPr b="0" sz="1100">
+                <a:solidFill>
+                  <a:srgbClr val="5C2699"/>
+                </a:solidFill>
+                <a:latin typeface="Arial"/>
+                <a:ea typeface="Arial"/>
+                <a:cs typeface="Arial"/>
+                <a:sym typeface="Arial"/>
               </a:defRPr>
             </a:pPr>
             <a:r>
@@ -38494,9 +38389,9 @@
             </a:r>
           </a:p>
           <a:p>
-            <a:pPr marL="457200" indent="-317500" defTabSz="457200">
+            <a:pPr marL="527755" indent="-388055" defTabSz="457200">
               <a:lnSpc>
-                <a:spcPts val="2300"/>
+                <a:spcPts val="1700"/>
               </a:lnSpc>
               <a:spcBef>
                 <a:spcPts val="0"/>
@@ -38507,14 +38402,14 @@
               <a:buSzPct val="100000"/>
               <a:buFont typeface="Menlo"/>
               <a:buChar char="•"/>
-              <a:defRPr b="0" sz="900">
-                <a:solidFill>
-                  <a:srgbClr val="C41A16"/>
-                </a:solidFill>
-                <a:latin typeface="Menlo"/>
-                <a:ea typeface="Menlo"/>
-                <a:cs typeface="Menlo"/>
-                <a:sym typeface="Menlo"/>
+              <a:defRPr b="0" sz="1100">
+                <a:solidFill>
+                  <a:srgbClr val="5C2699"/>
+                </a:solidFill>
+                <a:latin typeface="Arial"/>
+                <a:ea typeface="Arial"/>
+                <a:cs typeface="Arial"/>
+                <a:sym typeface="Arial"/>
               </a:defRPr>
             </a:pPr>
             <a:r>
@@ -38602,9 +38497,9 @@
             </a:endParaRPr>
           </a:p>
           <a:p>
-            <a:pPr marL="457200" indent="-317500" defTabSz="457200">
+            <a:pPr marL="527755" indent="-388055" defTabSz="457200">
               <a:lnSpc>
-                <a:spcPts val="2300"/>
+                <a:spcPts val="1700"/>
               </a:lnSpc>
               <a:spcBef>
                 <a:spcPts val="0"/>
@@ -38615,24 +38510,54 @@
               <a:buSzPct val="100000"/>
               <a:buFont typeface="Menlo"/>
               <a:buChar char="•"/>
-              <a:defRPr b="0" sz="900">
-                <a:solidFill>
-                  <a:srgbClr val="333333"/>
-                </a:solidFill>
-                <a:latin typeface="Menlo"/>
-                <a:ea typeface="Menlo"/>
-                <a:cs typeface="Menlo"/>
-                <a:sym typeface="Menlo"/>
+              <a:defRPr b="0" sz="1100">
+                <a:solidFill>
+                  <a:srgbClr val="5C2699"/>
+                </a:solidFill>
+                <a:latin typeface="Arial"/>
+                <a:ea typeface="Arial"/>
+                <a:cs typeface="Arial"/>
+                <a:sym typeface="Arial"/>
               </a:defRPr>
             </a:pPr>
             <a:r>
               <a:t>}</a:t>
             </a:r>
           </a:p>
+        </p:txBody>
+      </p:sp>
+      <p:sp>
+        <p:nvSpPr>
+          <p:cNvPr id="723" name="class CreditCard {…"/>
+          <p:cNvSpPr txBox="1"/>
+          <p:nvPr/>
+        </p:nvSpPr>
+        <p:spPr>
+          <a:xfrm>
+            <a:off x="4474219" y="1125005"/>
+            <a:ext cx="4147657" cy="2236866"/>
+          </a:xfrm>
+          <a:prstGeom prst="rect">
+            <a:avLst/>
+          </a:prstGeom>
+          <a:ln w="12700">
+            <a:miter lim="400000"/>
+          </a:ln>
+          <a:extLst>
+            <a:ext uri="{C572A759-6A51-4108-AA02-DFA0A04FC94B}">
+              <ma14:wrappingTextBoxFlag xmlns:ma14="http://schemas.microsoft.com/office/mac/drawingml/2011/main" val="1"/>
+            </a:ext>
+          </a:extLst>
+        </p:spPr>
+        <p:txBody>
+          <a:bodyPr wrap="none" lIns="45719" rIns="45719">
+            <a:spAutoFit/>
+          </a:bodyPr>
+          <a:lstStyle/>
           <a:p>
-            <a:pPr marL="457200" indent="-317500" defTabSz="457200">
+            <a:pPr marL="527755" indent="-388055" defTabSz="457200">
               <a:lnSpc>
-                <a:spcPts val="2300"/>
+                <a:spcPts val="1700"/>
               </a:lnSpc>
               <a:spcBef>
                 <a:spcPts val="0"/>
@@ -38643,21 +38568,53 @@
               <a:buSzPct val="100000"/>
               <a:buFont typeface="Menlo"/>
               <a:buChar char="•"/>
-              <a:defRPr b="0" sz="900">
-                <a:solidFill>
-                  <a:srgbClr val="333333"/>
-                </a:solidFill>
-                <a:latin typeface="Menlo"/>
-                <a:ea typeface="Menlo"/>
-                <a:cs typeface="Menlo"/>
-                <a:sym typeface="Menlo"/>
+              <a:defRPr b="0" sz="1100">
+                <a:solidFill>
+                  <a:srgbClr val="5C2699"/>
+                </a:solidFill>
+                <a:latin typeface="Arial"/>
+                <a:ea typeface="Arial"/>
+                <a:cs typeface="Arial"/>
+                <a:sym typeface="Arial"/>
               </a:defRPr>
             </a:pPr>
+            <a:r>
+              <a:rPr>
+                <a:solidFill>
+                  <a:srgbClr val="AA0D91"/>
+                </a:solidFill>
+              </a:rPr>
+              <a:t>class</a:t>
+            </a:r>
+            <a:r>
+              <a:rPr>
+                <a:solidFill>
+                  <a:srgbClr val="333333"/>
+                </a:solidFill>
+              </a:rPr>
+              <a:t> </a:t>
+            </a:r>
+            <a:r>
+              <a:t>CreditCard</a:t>
+            </a:r>
+            <a:r>
+              <a:rPr>
+                <a:solidFill>
+                  <a:srgbClr val="333333"/>
+                </a:solidFill>
+              </a:rPr>
+              <a:t> {</a:t>
+            </a:r>
+            <a:endParaRPr>
+              <a:solidFill>
+                <a:srgbClr val="333333"/>
+              </a:solidFill>
+            </a:endParaRPr>
           </a:p>
           <a:p>
-            <a:pPr marL="457200" indent="-317500" defTabSz="457200">
+            <a:pPr marL="527755" indent="-388055" defTabSz="457200">
               <a:lnSpc>
-                <a:spcPts val="2300"/>
+                <a:spcPts val="1700"/>
               </a:lnSpc>
               <a:spcBef>
                 <a:spcPts val="0"/>
@@ -38668,53 +38625,49 @@
               <a:buSzPct val="100000"/>
               <a:buFont typeface="Menlo"/>
               <a:buChar char="•"/>
-              <a:defRPr b="0" sz="900">
-                <a:solidFill>
-                  <a:srgbClr val="3F6E74"/>
-                </a:solidFill>
-                <a:latin typeface="Menlo"/>
-                <a:ea typeface="Menlo"/>
-                <a:cs typeface="Menlo"/>
-                <a:sym typeface="Menlo"/>
+              <a:defRPr b="0" sz="1100">
+                <a:solidFill>
+                  <a:srgbClr val="5C2699"/>
+                </a:solidFill>
+                <a:latin typeface="Arial"/>
+                <a:ea typeface="Arial"/>
+                <a:cs typeface="Arial"/>
+                <a:sym typeface="Arial"/>
               </a:defRPr>
             </a:pPr>
             <a:r>
+              <a:t>    </a:t>
+            </a:r>
+            <a:r>
               <a:rPr>
                 <a:solidFill>
                   <a:srgbClr val="AA0D91"/>
                 </a:solidFill>
               </a:rPr>
-              <a:t>class</a:t>
+              <a:t>let</a:t>
+            </a:r>
+            <a:r>
+              <a:t> </a:t>
             </a:r>
             <a:r>
               <a:rPr>
                 <a:solidFill>
-                  <a:srgbClr val="333333"/>
+                  <a:srgbClr val="3F6E74"/>
                 </a:solidFill>
               </a:rPr>
-              <a:t> </a:t>
-            </a:r>
-            <a:r>
-              <a:t>CreditCard</a:t>
-            </a:r>
-            <a:r>
-              <a:rPr>
-                <a:solidFill>
-                  <a:srgbClr val="333333"/>
-                </a:solidFill>
-              </a:rPr>
-              <a:t> {</a:t>
-            </a:r>
-            <a:endParaRPr>
-              <a:solidFill>
-                <a:srgbClr val="333333"/>
-              </a:solidFill>
-            </a:endParaRPr>
+              <a:t>number</a:t>
+            </a:r>
+            <a:r>
+              <a:t>: </a:t>
+            </a:r>
+            <a:r>
+              <a:t>UInt64</a:t>
+            </a:r>
           </a:p>
           <a:p>
-            <a:pPr marL="457200" indent="-317500" defTabSz="457200">
+            <a:pPr marL="527755" indent="-388055" defTabSz="457200">
               <a:lnSpc>
-                <a:spcPts val="2300"/>
+                <a:spcPts val="1700"/>
               </a:lnSpc>
               <a:spcBef>
                 <a:spcPts val="0"/>
@@ -38725,18 +38678,39 @@
               <a:buSzPct val="100000"/>
               <a:buFont typeface="Menlo"/>
               <a:buChar char="•"/>
-              <a:defRPr b="0" sz="900">
-                <a:solidFill>
-                  <a:srgbClr val="333333"/>
-                </a:solidFill>
-                <a:latin typeface="Menlo"/>
-                <a:ea typeface="Menlo"/>
-                <a:cs typeface="Menlo"/>
-                <a:sym typeface="Menlo"/>
+              <a:defRPr b="0" sz="1100">
+                <a:solidFill>
+                  <a:srgbClr val="5C2699"/>
+                </a:solidFill>
+                <a:latin typeface="Arial"/>
+                <a:ea typeface="Arial"/>
+                <a:cs typeface="Arial"/>
+                <a:sym typeface="Arial"/>
               </a:defRPr>
             </a:pPr>
             <a:r>
+              <a:rPr>
+                <a:solidFill>
+                  <a:srgbClr val="333333"/>
+                </a:solidFill>
+              </a:rPr>
               <a:t>    </a:t>
+            </a:r>
+            <a:r>
+              <a:rPr>
+                <a:solidFill>
+                  <a:srgbClr val="AA0D91"/>
+                </a:solidFill>
+              </a:rPr>
+              <a:t>unowned</a:t>
+            </a:r>
+            <a:r>
+              <a:rPr>
+                <a:solidFill>
+                  <a:srgbClr val="333333"/>
+                </a:solidFill>
+              </a:rPr>
+              <a:t> </a:t>
             </a:r>
             <a:r>
               <a:rPr>
@@ -38747,32 +38721,37 @@
               <a:t>let</a:t>
             </a:r>
             <a:r>
+              <a:rPr>
+                <a:solidFill>
+                  <a:srgbClr val="333333"/>
+                </a:solidFill>
+              </a:rPr>
               <a:t> </a:t>
             </a:r>
             <a:r>
+              <a:t>customer</a:t>
+            </a:r>
+            <a:r>
               <a:rPr>
                 <a:solidFill>
-                  <a:srgbClr val="3F6E74"/>
+                  <a:srgbClr val="333333"/>
                 </a:solidFill>
               </a:rPr>
-              <a:t>number</a:t>
-            </a:r>
-            <a:r>
               <a:t>: </a:t>
             </a:r>
             <a:r>
-              <a:rPr>
-                <a:solidFill>
-                  <a:srgbClr val="5C2699"/>
-                </a:solidFill>
-              </a:rPr>
-              <a:t>UInt64</a:t>
-            </a:r>
+              <a:t>Customer</a:t>
+            </a:r>
+            <a:endParaRPr>
+              <a:solidFill>
+                <a:srgbClr val="333333"/>
+              </a:solidFill>
+            </a:endParaRPr>
           </a:p>
           <a:p>
-            <a:pPr marL="457200" indent="-317500" defTabSz="457200">
+            <a:pPr marL="527755" indent="-388055" defTabSz="457200">
               <a:lnSpc>
-                <a:spcPts val="2300"/>
+                <a:spcPts val="1700"/>
               </a:lnSpc>
               <a:spcBef>
                 <a:spcPts val="0"/>
@@ -38783,14 +38762,14 @@
               <a:buSzPct val="100000"/>
               <a:buFont typeface="Menlo"/>
               <a:buChar char="•"/>
-              <a:defRPr b="0" sz="900">
-                <a:solidFill>
-                  <a:srgbClr val="3F6E74"/>
-                </a:solidFill>
-                <a:latin typeface="Menlo"/>
-                <a:ea typeface="Menlo"/>
-                <a:cs typeface="Menlo"/>
-                <a:sym typeface="Menlo"/>
+              <a:defRPr b="0" sz="1100">
+                <a:solidFill>
+                  <a:srgbClr val="5C2699"/>
+                </a:solidFill>
+                <a:latin typeface="Arial"/>
+                <a:ea typeface="Arial"/>
+                <a:cs typeface="Arial"/>
+                <a:sym typeface="Arial"/>
               </a:defRPr>
             </a:pPr>
             <a:r>
@@ -38807,7 +38786,7 @@
                   <a:srgbClr val="AA0D91"/>
                 </a:solidFill>
               </a:rPr>
-              <a:t>unowned</a:t>
+              <a:t>init</a:t>
             </a:r>
             <a:r>
               <a:rPr>
@@ -38815,26 +38794,10 @@
                   <a:srgbClr val="333333"/>
                 </a:solidFill>
               </a:rPr>
-              <a:t> </a:t>
-            </a:r>
-            <a:r>
-              <a:rPr>
-                <a:solidFill>
-                  <a:srgbClr val="AA0D91"/>
-                </a:solidFill>
-              </a:rPr>
-              <a:t>let</a:t>
-            </a:r>
-            <a:r>
-              <a:rPr>
-                <a:solidFill>
-                  <a:srgbClr val="333333"/>
-                </a:solidFill>
-              </a:rPr>
-              <a:t> </a:t>
-            </a:r>
-            <a:r>
-              <a:t>customer</a:t>
+              <a:t>(</a:t>
+            </a:r>
+            <a:r>
+              <a:t>number</a:t>
             </a:r>
             <a:r>
               <a:rPr>
@@ -38845,12 +38808,37 @@
               <a:t>: </a:t>
             </a:r>
             <a:r>
+              <a:t>UInt64</a:t>
+            </a:r>
+            <a:r>
               <a:rPr>
                 <a:solidFill>
-                  <a:srgbClr val="5C2699"/>
+                  <a:srgbClr val="333333"/>
                 </a:solidFill>
               </a:rPr>
+              <a:t>, </a:t>
+            </a:r>
+            <a:r>
+              <a:t>customer</a:t>
+            </a:r>
+            <a:r>
+              <a:rPr>
+                <a:solidFill>
+                  <a:srgbClr val="333333"/>
+                </a:solidFill>
+              </a:rPr>
+              <a:t>: </a:t>
+            </a:r>
+            <a:r>
               <a:t>Customer</a:t>
+            </a:r>
+            <a:r>
+              <a:rPr>
+                <a:solidFill>
+                  <a:srgbClr val="333333"/>
+                </a:solidFill>
+              </a:rPr>
+              <a:t>) {</a:t>
             </a:r>
             <a:endParaRPr>
               <a:solidFill>
@@ -38859,9 +38847,9 @@
             </a:endParaRPr>
           </a:p>
           <a:p>
-            <a:pPr marL="457200" indent="-317500" defTabSz="457200">
+            <a:pPr marL="527755" indent="-388055" defTabSz="457200">
               <a:lnSpc>
-                <a:spcPts val="2300"/>
+                <a:spcPts val="1700"/>
               </a:lnSpc>
               <a:spcBef>
                 <a:spcPts val="0"/>
@@ -38872,104 +38860,54 @@
               <a:buSzPct val="100000"/>
               <a:buFont typeface="Menlo"/>
               <a:buChar char="•"/>
-              <a:defRPr b="0" sz="900">
-                <a:solidFill>
-                  <a:srgbClr val="3F6E74"/>
-                </a:solidFill>
-                <a:latin typeface="Menlo"/>
-                <a:ea typeface="Menlo"/>
-                <a:cs typeface="Menlo"/>
-                <a:sym typeface="Menlo"/>
+              <a:defRPr b="0" sz="1100">
+                <a:solidFill>
+                  <a:srgbClr val="5C2699"/>
+                </a:solidFill>
+                <a:latin typeface="Arial"/>
+                <a:ea typeface="Arial"/>
+                <a:cs typeface="Arial"/>
+                <a:sym typeface="Arial"/>
               </a:defRPr>
             </a:pPr>
             <a:r>
+              <a:t>        </a:t>
+            </a:r>
+            <a:r>
               <a:rPr>
                 <a:solidFill>
-                  <a:srgbClr val="333333"/>
+                  <a:srgbClr val="AA0D91"/>
                 </a:solidFill>
               </a:rPr>
-              <a:t>    </a:t>
+              <a:t>self</a:t>
+            </a:r>
+            <a:r>
+              <a:t>.</a:t>
             </a:r>
             <a:r>
               <a:rPr>
                 <a:solidFill>
-                  <a:srgbClr val="AA0D91"/>
+                  <a:srgbClr val="3F6E74"/>
                 </a:solidFill>
               </a:rPr>
-              <a:t>init</a:t>
+              <a:t>number</a:t>
+            </a:r>
+            <a:r>
+              <a:t> = </a:t>
             </a:r>
             <a:r>
               <a:rPr>
                 <a:solidFill>
-                  <a:srgbClr val="333333"/>
+                  <a:srgbClr val="3F6E74"/>
                 </a:solidFill>
               </a:rPr>
-              <a:t>(</a:t>
-            </a:r>
-            <a:r>
               <a:t>number</a:t>
             </a:r>
-            <a:r>
-              <a:rPr>
-                <a:solidFill>
-                  <a:srgbClr val="333333"/>
-                </a:solidFill>
-              </a:rPr>
-              <a:t>: </a:t>
-            </a:r>
-            <a:r>
-              <a:rPr>
-                <a:solidFill>
-                  <a:srgbClr val="5C2699"/>
-                </a:solidFill>
-              </a:rPr>
-              <a:t>UInt64</a:t>
-            </a:r>
-            <a:r>
-              <a:rPr>
-                <a:solidFill>
-                  <a:srgbClr val="333333"/>
-                </a:solidFill>
-              </a:rPr>
-              <a:t>, </a:t>
-            </a:r>
-            <a:r>
-              <a:t>customer</a:t>
-            </a:r>
-            <a:r>
-              <a:rPr>
-                <a:solidFill>
-                  <a:srgbClr val="333333"/>
-                </a:solidFill>
-              </a:rPr>
-              <a:t>: </a:t>
-            </a:r>
-            <a:r>
-              <a:rPr>
-                <a:solidFill>
-                  <a:srgbClr val="5C2699"/>
-                </a:solidFill>
-              </a:rPr>
-              <a:t>Customer</a:t>
-            </a:r>
-            <a:r>
-              <a:rPr>
-                <a:solidFill>
-                  <a:srgbClr val="333333"/>
-                </a:solidFill>
-              </a:rPr>
-              <a:t>) {</a:t>
-            </a:r>
-            <a:endParaRPr>
-              <a:solidFill>
-                <a:srgbClr val="333333"/>
-              </a:solidFill>
-            </a:endParaRPr>
           </a:p>
           <a:p>
-            <a:pPr marL="457200" indent="-317500" defTabSz="457200">
+            <a:pPr marL="527755" indent="-388055" defTabSz="457200">
               <a:lnSpc>
-                <a:spcPts val="2300"/>
+                <a:spcPts val="1700"/>
               </a:lnSpc>
               <a:spcBef>
                 <a:spcPts val="0"/>
@@ -38980,14 +38918,14 @@
               <a:buSzPct val="100000"/>
               <a:buFont typeface="Menlo"/>
               <a:buChar char="•"/>
-              <a:defRPr b="0" sz="900">
-                <a:solidFill>
-                  <a:srgbClr val="333333"/>
-                </a:solidFill>
-                <a:latin typeface="Menlo"/>
-                <a:ea typeface="Menlo"/>
-                <a:cs typeface="Menlo"/>
-                <a:sym typeface="Menlo"/>
+              <a:defRPr b="0" sz="1100">
+                <a:solidFill>
+                  <a:srgbClr val="5C2699"/>
+                </a:solidFill>
+                <a:latin typeface="Arial"/>
+                <a:ea typeface="Arial"/>
+                <a:cs typeface="Arial"/>
+                <a:sym typeface="Arial"/>
               </a:defRPr>
             </a:pPr>
             <a:r>
@@ -39010,7 +38948,7 @@
                   <a:srgbClr val="3F6E74"/>
                 </a:solidFill>
               </a:rPr>
-              <a:t>number</a:t>
+              <a:t>customer</a:t>
             </a:r>
             <a:r>
               <a:t> = </a:t>
@@ -39021,13 +38959,13 @@
                   <a:srgbClr val="3F6E74"/>
                 </a:solidFill>
               </a:rPr>
-              <a:t>number</a:t>
+              <a:t>customer</a:t>
             </a:r>
           </a:p>
           <a:p>
-            <a:pPr marL="457200" indent="-317500" defTabSz="457200">
+            <a:pPr marL="527755" indent="-388055" defTabSz="457200">
               <a:lnSpc>
-                <a:spcPts val="2300"/>
+                <a:spcPts val="1700"/>
               </a:lnSpc>
               <a:spcBef>
                 <a:spcPts val="0"/>
@@ -39038,54 +38976,24 @@
               <a:buSzPct val="100000"/>
               <a:buFont typeface="Menlo"/>
               <a:buChar char="•"/>
-              <a:defRPr b="0" sz="900">
-                <a:solidFill>
-                  <a:srgbClr val="333333"/>
-                </a:solidFill>
-                <a:latin typeface="Menlo"/>
-                <a:ea typeface="Menlo"/>
-                <a:cs typeface="Menlo"/>
-                <a:sym typeface="Menlo"/>
+              <a:defRPr b="0" sz="1100">
+                <a:solidFill>
+                  <a:srgbClr val="5C2699"/>
+                </a:solidFill>
+                <a:latin typeface="Arial"/>
+                <a:ea typeface="Arial"/>
+                <a:cs typeface="Arial"/>
+                <a:sym typeface="Arial"/>
               </a:defRPr>
             </a:pPr>
             <a:r>
-              <a:t>        </a:t>
-            </a:r>
-            <a:r>
-              <a:rPr>
-                <a:solidFill>
-                  <a:srgbClr val="AA0D91"/>
-                </a:solidFill>
-              </a:rPr>
-              <a:t>self</a:t>
-            </a:r>
-            <a:r>
-              <a:t>.</a:t>
-            </a:r>
-            <a:r>
-              <a:rPr>
-                <a:solidFill>
-                  <a:srgbClr val="3F6E74"/>
-                </a:solidFill>
-              </a:rPr>
-              <a:t>customer</a:t>
-            </a:r>
-            <a:r>
-              <a:t> = </a:t>
-            </a:r>
-            <a:r>
-              <a:rPr>
-                <a:solidFill>
-                  <a:srgbClr val="3F6E74"/>
-                </a:solidFill>
-              </a:rPr>
-              <a:t>customer</a:t>
+              <a:t>    }</a:t>
             </a:r>
           </a:p>
           <a:p>
-            <a:pPr marL="457200" indent="-317500" defTabSz="457200">
+            <a:pPr marL="527755" indent="-388055" defTabSz="457200">
               <a:lnSpc>
-                <a:spcPts val="2300"/>
+                <a:spcPts val="1700"/>
               </a:lnSpc>
               <a:spcBef>
                 <a:spcPts val="0"/>
@@ -39096,24 +39004,104 @@
               <a:buSzPct val="100000"/>
               <a:buFont typeface="Menlo"/>
               <a:buChar char="•"/>
-              <a:defRPr b="0" sz="900">
-                <a:solidFill>
-                  <a:srgbClr val="333333"/>
-                </a:solidFill>
-                <a:latin typeface="Menlo"/>
-                <a:ea typeface="Menlo"/>
-                <a:cs typeface="Menlo"/>
-                <a:sym typeface="Menlo"/>
+              <a:defRPr b="0" sz="1100">
+                <a:solidFill>
+                  <a:srgbClr val="5C2699"/>
+                </a:solidFill>
+                <a:latin typeface="Arial"/>
+                <a:ea typeface="Arial"/>
+                <a:cs typeface="Arial"/>
+                <a:sym typeface="Arial"/>
               </a:defRPr>
             </a:pPr>
             <a:r>
-              <a:t>    }</a:t>
-            </a:r>
+              <a:rPr>
+                <a:solidFill>
+                  <a:srgbClr val="333333"/>
+                </a:solidFill>
+              </a:rPr>
+              <a:t>    </a:t>
+            </a:r>
+            <a:r>
+              <a:rPr>
+                <a:solidFill>
+                  <a:srgbClr val="AA0D91"/>
+                </a:solidFill>
+              </a:rPr>
+              <a:t>deinit</a:t>
+            </a:r>
+            <a:r>
+              <a:rPr>
+                <a:solidFill>
+                  <a:srgbClr val="333333"/>
+                </a:solidFill>
+              </a:rPr>
+              <a:t> { </a:t>
+            </a:r>
+            <a:r>
+              <a:rPr>
+                <a:solidFill>
+                  <a:srgbClr val="3F6E74"/>
+                </a:solidFill>
+              </a:rPr>
+              <a:t>print</a:t>
+            </a:r>
+            <a:r>
+              <a:rPr>
+                <a:solidFill>
+                  <a:srgbClr val="333333"/>
+                </a:solidFill>
+              </a:rPr>
+              <a:t>(</a:t>
+            </a:r>
+            <a:r>
+              <a:t>"Card #</a:t>
+            </a:r>
+            <a:r>
+              <a:rPr>
+                <a:solidFill>
+                  <a:srgbClr val="333333"/>
+                </a:solidFill>
+              </a:rPr>
+              <a:t>\(</a:t>
+            </a:r>
+            <a:r>
+              <a:rPr>
+                <a:solidFill>
+                  <a:srgbClr val="3F6E74"/>
+                </a:solidFill>
+              </a:rPr>
+              <a:t>number</a:t>
+            </a:r>
+            <a:r>
+              <a:rPr>
+                <a:solidFill>
+                  <a:srgbClr val="333333"/>
+                </a:solidFill>
+              </a:rPr>
+              <a:t>)</a:t>
+            </a:r>
+            <a:r>
+              <a:t> is being deinitialized"</a:t>
+            </a:r>
+            <a:r>
+              <a:rPr>
+                <a:solidFill>
+                  <a:srgbClr val="333333"/>
+                </a:solidFill>
+              </a:rPr>
+              <a:t>) }</a:t>
+            </a:r>
+            <a:endParaRPr>
+              <a:solidFill>
+                <a:srgbClr val="333333"/>
+              </a:solidFill>
+            </a:endParaRPr>
           </a:p>
           <a:p>
-            <a:pPr marL="457200" indent="-317500" defTabSz="457200">
+            <a:pPr marL="527755" indent="-388055" defTabSz="457200">
               <a:lnSpc>
-                <a:spcPts val="2300"/>
+                <a:spcPts val="1700"/>
               </a:lnSpc>
               <a:spcBef>
                 <a:spcPts val="0"/>
@@ -39124,122 +39112,14 @@
               <a:buSzPct val="100000"/>
               <a:buFont typeface="Menlo"/>
               <a:buChar char="•"/>
-              <a:defRPr b="0" sz="900">
-                <a:solidFill>
-                  <a:srgbClr val="C41A16"/>
-                </a:solidFill>
-                <a:latin typeface="Menlo"/>
-                <a:ea typeface="Menlo"/>
-                <a:cs typeface="Menlo"/>
-                <a:sym typeface="Menlo"/>
-              </a:defRPr>
-            </a:pPr>
-            <a:r>
-              <a:rPr>
-                <a:solidFill>
-                  <a:srgbClr val="333333"/>
-                </a:solidFill>
-              </a:rPr>
-              <a:t>    </a:t>
-            </a:r>
-            <a:r>
-              <a:rPr>
-                <a:solidFill>
-                  <a:srgbClr val="AA0D91"/>
-                </a:solidFill>
-              </a:rPr>
-              <a:t>deinit</a:t>
-            </a:r>
-            <a:r>
-              <a:rPr>
-                <a:solidFill>
-                  <a:srgbClr val="333333"/>
-                </a:solidFill>
-              </a:rPr>
-              <a:t> { </a:t>
-            </a:r>
-            <a:r>
-              <a:rPr>
-                <a:solidFill>
-                  <a:srgbClr val="3F6E74"/>
-                </a:solidFill>
-              </a:rPr>
-              <a:t>print</a:t>
-            </a:r>
-            <a:r>
-              <a:rPr>
-                <a:solidFill>
-                  <a:srgbClr val="333333"/>
-                </a:solidFill>
-              </a:rPr>
-              <a:t>(</a:t>
-            </a:r>
-            <a:r>
-              <a:t>"Card #</a:t>
-            </a:r>
-            <a:r>
-              <a:rPr>
-                <a:solidFill>
-                  <a:srgbClr val="333333"/>
-                </a:solidFill>
-              </a:rPr>
-              <a:t>\(</a:t>
-            </a:r>
-            <a:r>
-              <a:rPr>
-                <a:solidFill>
-                  <a:srgbClr val="3F6E74"/>
-                </a:solidFill>
-              </a:rPr>
-              <a:t>number</a:t>
-            </a:r>
-            <a:r>
-              <a:rPr>
-                <a:solidFill>
-                  <a:srgbClr val="333333"/>
-                </a:solidFill>
-              </a:rPr>
-              <a:t>)</a:t>
-            </a:r>
-            <a:r>
-              <a:t> is being deinitialized"</a:t>
-            </a:r>
-            <a:r>
-              <a:rPr>
-                <a:solidFill>
-                  <a:srgbClr val="333333"/>
-                </a:solidFill>
-              </a:rPr>
-              <a:t>) }</a:t>
-            </a:r>
-            <a:endParaRPr>
-              <a:solidFill>
-                <a:srgbClr val="333333"/>
-              </a:solidFill>
-            </a:endParaRPr>
-          </a:p>
-          <a:p>
-            <a:pPr marL="457200" indent="-317500" defTabSz="457200">
-              <a:lnSpc>
-                <a:spcPts val="2300"/>
-              </a:lnSpc>
-              <a:spcBef>
-                <a:spcPts val="0"/>
-              </a:spcBef>
-              <a:buClr>
-                <a:srgbClr val="333333"/>
-              </a:buClr>
-              <a:buSzPct val="100000"/>
-              <a:buFont typeface="Menlo"/>
-              <a:buChar char="•"/>
-              <a:defRPr b="0" sz="900">
-                <a:solidFill>
-                  <a:srgbClr val="333333"/>
-                </a:solidFill>
-                <a:latin typeface="Menlo"/>
-                <a:ea typeface="Menlo"/>
-                <a:cs typeface="Menlo"/>
-                <a:sym typeface="Menlo"/>
+              <a:defRPr b="0" sz="1100">
+                <a:solidFill>
+                  <a:srgbClr val="5C2699"/>
+                </a:solidFill>
+                <a:latin typeface="Arial"/>
+                <a:ea typeface="Arial"/>
+                <a:cs typeface="Arial"/>
+                <a:sym typeface="Arial"/>
               </a:defRPr>
             </a:pPr>
             <a:r>
@@ -39276,7 +39156,7 @@
       </p:grpSpPr>
       <p:sp>
         <p:nvSpPr>
-          <p:cNvPr id="724" name="4.使用Unowned解決互相參考"/>
+          <p:cNvPr id="725" name="4.使用Unowned解決互相參考"/>
           <p:cNvSpPr txBox="1"/>
           <p:nvPr>
             <p:ph type="title"/>
@@ -39306,7 +39186,7 @@
       </p:sp>
       <p:sp>
         <p:nvSpPr>
-          <p:cNvPr id="725" name="幻燈片編號"/>
+          <p:cNvPr id="726" name="幻燈片編號"/>
           <p:cNvSpPr txBox="1"/>
           <p:nvPr>
             <p:ph type="sldNum" sz="quarter" idx="2"/>
@@ -39337,7 +39217,7 @@
       </p:sp>
       <p:pic>
         <p:nvPicPr>
-          <p:cNvPr id="726" name="圖片版面配置區 10" descr="圖片版面配置區 10"/>
+          <p:cNvPr id="727" name="圖片版面配置區 10" descr="圖片版面配置區 10"/>
           <p:cNvPicPr>
             <a:picLocks noChangeAspect="1"/>
           </p:cNvPicPr>
@@ -39361,7 +39241,7 @@
       </p:pic>
       <p:pic>
         <p:nvPicPr>
-          <p:cNvPr id="727" name="圖片版面配置區 13" descr="圖片版面配置區 13"/>
+          <p:cNvPr id="728" name="圖片版面配置區 13" descr="圖片版面配置區 13"/>
           <p:cNvPicPr>
             <a:picLocks noChangeAspect="1"/>
           </p:cNvPicPr>
@@ -39385,14 +39265,14 @@
       </p:pic>
       <p:sp>
         <p:nvSpPr>
-          <p:cNvPr id="728" name="john = Customer(name: &quot;John Appleseed&quot;)…"/>
+          <p:cNvPr id="729" name="john = Customer(name: &quot;John Appleseed&quot;)…"/>
           <p:cNvSpPr txBox="1"/>
           <p:nvPr/>
         </p:nvSpPr>
         <p:spPr>
           <a:xfrm>
             <a:off x="643624" y="1111956"/>
-            <a:ext cx="5309535" cy="383541"/>
+            <a:ext cx="5233266" cy="509666"/>
           </a:xfrm>
           <a:prstGeom prst="rect">
             <a:avLst/>
@@ -39412,9 +39292,9 @@
           </a:bodyPr>
           <a:lstStyle/>
           <a:p>
-            <a:pPr marL="457200" indent="-317500" defTabSz="457200">
+            <a:pPr marL="527755" indent="-388055" defTabSz="457200">
               <a:lnSpc>
-                <a:spcPts val="2300"/>
+                <a:spcPts val="1700"/>
               </a:lnSpc>
               <a:spcBef>
                 <a:spcPts val="0"/>
@@ -39425,14 +39305,14 @@
               <a:buSzPct val="100000"/>
               <a:buFont typeface="Menlo"/>
               <a:buChar char="•"/>
-              <a:defRPr b="0" sz="900">
-                <a:solidFill>
-                  <a:srgbClr val="C41A16"/>
-                </a:solidFill>
-                <a:latin typeface="Menlo"/>
-                <a:ea typeface="Menlo"/>
-                <a:cs typeface="Menlo"/>
-                <a:sym typeface="Menlo"/>
+              <a:defRPr b="0" sz="1100">
+                <a:solidFill>
+                  <a:srgbClr val="5C2699"/>
+                </a:solidFill>
+                <a:latin typeface="Arial"/>
+                <a:ea typeface="Arial"/>
+                <a:cs typeface="Arial"/>
+                <a:sym typeface="Arial"/>
               </a:defRPr>
             </a:pPr>
             <a:r>
@@ -39501,9 +39381,9 @@
             </a:endParaRPr>
           </a:p>
           <a:p>
-            <a:pPr marL="457200" indent="-317500" defTabSz="457200">
+            <a:pPr marL="527755" indent="-388055" defTabSz="457200">
               <a:lnSpc>
-                <a:spcPts val="2300"/>
+                <a:spcPts val="1700"/>
               </a:lnSpc>
               <a:spcBef>
                 <a:spcPts val="0"/>
@@ -39514,14 +39394,14 @@
               <a:buSzPct val="100000"/>
               <a:buFont typeface="Menlo"/>
               <a:buChar char="•"/>
-              <a:defRPr b="0" sz="900">
-                <a:solidFill>
-                  <a:srgbClr val="1C00CF"/>
-                </a:solidFill>
-                <a:latin typeface="Menlo"/>
-                <a:ea typeface="Menlo"/>
-                <a:cs typeface="Menlo"/>
-                <a:sym typeface="Menlo"/>
+              <a:defRPr b="0" sz="1100">
+                <a:solidFill>
+                  <a:srgbClr val="5C2699"/>
+                </a:solidFill>
+                <a:latin typeface="Arial"/>
+                <a:ea typeface="Arial"/>
+                <a:cs typeface="Arial"/>
+                <a:sym typeface="Arial"/>
               </a:defRPr>
             </a:pPr>
             <a:r>
@@ -39636,14 +39516,14 @@
       </p:sp>
       <p:sp>
         <p:nvSpPr>
-          <p:cNvPr id="729" name="john = nil…"/>
+          <p:cNvPr id="730" name="john = nil…"/>
           <p:cNvSpPr txBox="1"/>
           <p:nvPr/>
         </p:nvSpPr>
         <p:spPr>
           <a:xfrm>
             <a:off x="673451" y="1738316"/>
-            <a:ext cx="4483762" cy="548641"/>
+            <a:ext cx="4194997" cy="725565"/>
           </a:xfrm>
           <a:prstGeom prst="rect">
             <a:avLst/>
@@ -39663,9 +39543,9 @@
           </a:bodyPr>
           <a:lstStyle/>
           <a:p>
-            <a:pPr marL="457200" indent="-317500" defTabSz="457200">
+            <a:pPr marL="527755" indent="-388055" defTabSz="457200">
               <a:lnSpc>
-                <a:spcPts val="2300"/>
+                <a:spcPts val="1700"/>
               </a:lnSpc>
               <a:spcBef>
                 <a:spcPts val="0"/>
@@ -39676,14 +39556,14 @@
               <a:buSzPct val="100000"/>
               <a:buFont typeface="Menlo"/>
               <a:buChar char="•"/>
-              <a:defRPr b="0" sz="900">
-                <a:solidFill>
-                  <a:srgbClr val="3F6E74"/>
-                </a:solidFill>
-                <a:latin typeface="Menlo"/>
-                <a:ea typeface="Menlo"/>
-                <a:cs typeface="Menlo"/>
-                <a:sym typeface="Menlo"/>
+              <a:defRPr b="0" sz="1100">
+                <a:solidFill>
+                  <a:srgbClr val="5C2699"/>
+                </a:solidFill>
+                <a:latin typeface="Arial"/>
+                <a:ea typeface="Arial"/>
+                <a:cs typeface="Arial"/>
+                <a:sym typeface="Arial"/>
               </a:defRPr>
             </a:pPr>
             <a:r>
@@ -39712,9 +39592,9 @@
             </a:endParaRPr>
           </a:p>
           <a:p>
-            <a:pPr marL="457200" indent="-317500" defTabSz="457200">
+            <a:pPr marL="527755" indent="-388055" defTabSz="457200">
               <a:lnSpc>
-                <a:spcPts val="2300"/>
+                <a:spcPts val="1700"/>
               </a:lnSpc>
               <a:spcBef>
                 <a:spcPts val="0"/>
@@ -39725,14 +39605,14 @@
               <a:buSzPct val="100000"/>
               <a:buFont typeface="Menlo"/>
               <a:buChar char="•"/>
-              <a:defRPr b="0" sz="900">
-                <a:solidFill>
-                  <a:srgbClr val="007400"/>
-                </a:solidFill>
-                <a:latin typeface="Menlo"/>
-                <a:ea typeface="Menlo"/>
-                <a:cs typeface="Menlo"/>
-                <a:sym typeface="Menlo"/>
+              <a:defRPr b="0" sz="1100">
+                <a:solidFill>
+                  <a:srgbClr val="5C2699"/>
+                </a:solidFill>
+                <a:latin typeface="Arial"/>
+                <a:ea typeface="Arial"/>
+                <a:cs typeface="Arial"/>
+                <a:sym typeface="Arial"/>
               </a:defRPr>
             </a:pPr>
             <a:r>
@@ -39745,9 +39625,9 @@
             </a:endParaRPr>
           </a:p>
           <a:p>
-            <a:pPr marL="457200" indent="-317500" defTabSz="457200">
+            <a:pPr marL="527755" indent="-388055" defTabSz="457200">
               <a:lnSpc>
-                <a:spcPts val="2300"/>
+                <a:spcPts val="1700"/>
               </a:lnSpc>
               <a:spcBef>
                 <a:spcPts val="0"/>
@@ -39758,14 +39638,14 @@
               <a:buSzPct val="100000"/>
               <a:buFont typeface="Menlo"/>
               <a:buChar char="•"/>
-              <a:defRPr b="0" sz="900">
-                <a:solidFill>
-                  <a:srgbClr val="007400"/>
-                </a:solidFill>
-                <a:latin typeface="Menlo"/>
-                <a:ea typeface="Menlo"/>
-                <a:cs typeface="Menlo"/>
-                <a:sym typeface="Menlo"/>
+              <a:defRPr b="0" sz="1100">
+                <a:solidFill>
+                  <a:srgbClr val="5C2699"/>
+                </a:solidFill>
+                <a:latin typeface="Arial"/>
+                <a:ea typeface="Arial"/>
+                <a:cs typeface="Arial"/>
+                <a:sym typeface="Arial"/>
               </a:defRPr>
             </a:pPr>
             <a:r>
